--- a/10 $q/$q.pptx
+++ b/10 $q/$q.pptx
@@ -291,7 +291,7 @@
             <a:fld id="{87731427-D242-475D-9180-8940013A50B8}" type="datetimeFigureOut">
               <a:rPr lang="en-GB" smtClean="0"/>
               <a:pPr algn="l"/>
-              <a:t>21/11/2016</a:t>
+              <a:t>08/06/2017</a:t>
             </a:fld>
             <a:endParaRPr lang="en-GB" dirty="0"/>
           </a:p>
@@ -496,7 +496,7 @@
             <a:fld id="{BA521D56-F1F4-41A0-82EB-989F4F6F400D}" type="datetimeFigureOut">
               <a:rPr lang="fr-FR" smtClean="0"/>
               <a:pPr/>
-              <a:t>21/11/2016</a:t>
+              <a:t>08/06/2017</a:t>
             </a:fld>
             <a:endParaRPr lang="fr-FR"/>
           </a:p>
@@ -9018,10 +9018,10 @@
                 <a:latin typeface="Courier New" panose="02070309020205020404" pitchFamily="49" charset="0"/>
                 <a:cs typeface="Courier New" panose="02070309020205020404" pitchFamily="49" charset="0"/>
               </a:rPr>
-              <a:t>	return !!(</a:t>
-            </a:r>
-            <a:r>
-              <a:rPr lang="fr-FR" sz="1400" dirty="0" err="1">
+              <a:t>	return </a:t>
+            </a:r>
+            <a:r>
+              <a:rPr lang="fr-FR" sz="1400" dirty="0" err="1" smtClean="0">
                 <a:latin typeface="Courier New" panose="02070309020205020404" pitchFamily="49" charset="0"/>
                 <a:cs typeface="Courier New" panose="02070309020205020404" pitchFamily="49" charset="0"/>
               </a:rPr>
@@ -9032,7 +9032,14 @@
                 <a:latin typeface="Courier New" panose="02070309020205020404" pitchFamily="49" charset="0"/>
                 <a:cs typeface="Courier New" panose="02070309020205020404" pitchFamily="49" charset="0"/>
               </a:rPr>
-              <a:t>() &gt;= 0.5);</a:t>
+              <a:t>() &gt;= </a:t>
+            </a:r>
+            <a:r>
+              <a:rPr lang="fr-FR" sz="1400" dirty="0" smtClean="0">
+                <a:latin typeface="Courier New" panose="02070309020205020404" pitchFamily="49" charset="0"/>
+                <a:cs typeface="Courier New" panose="02070309020205020404" pitchFamily="49" charset="0"/>
+              </a:rPr>
+              <a:t>0.5;</a:t>
             </a:r>
             <a:endParaRPr lang="fr-FR" sz="1100" dirty="0">
               <a:latin typeface="Courier New" panose="02070309020205020404" pitchFamily="49" charset="0"/>
@@ -9066,7 +9073,6 @@
               <a:rPr lang="fr-FR" dirty="0"/>
               <a:t> </a:t>
             </a:r>
-            <a:endParaRPr lang="fr-FR" dirty="0"/>
           </a:p>
         </p:txBody>
       </p:sp>
@@ -9213,145 +9219,79 @@
           <a:lstStyle/>
           <a:p>
             <a:r>
-              <a:rPr lang="en-US" dirty="0"/>
-              <a:t>The Promise object is used for </a:t>
-            </a:r>
-            <a:r>
-              <a:rPr lang="en-US" b="1" dirty="0"/>
+              <a:rPr lang="en-US" dirty="0" smtClean="0"/>
+              <a:t>Defers &amp; Promises are object is used for </a:t>
+            </a:r>
+            <a:r>
+              <a:rPr lang="en-US" b="1" dirty="0" smtClean="0"/>
               <a:t>asynchronous computations</a:t>
             </a:r>
             <a:r>
-              <a:rPr lang="en-US" dirty="0"/>
-              <a:t>. A Promise represents a value which </a:t>
-            </a:r>
-            <a:r>
-              <a:rPr lang="en-US" b="1" dirty="0"/>
+              <a:rPr lang="en-US" dirty="0" smtClean="0"/>
+              <a:t>. </a:t>
+            </a:r>
+          </a:p>
+          <a:p>
+            <a:endParaRPr lang="en-US" dirty="0" smtClean="0"/>
+          </a:p>
+          <a:p>
+            <a:r>
+              <a:rPr lang="en-US" dirty="0" smtClean="0"/>
+              <a:t>A Defer is an object that is used to </a:t>
+            </a:r>
+            <a:r>
+              <a:rPr lang="en-US" b="1" dirty="0" smtClean="0"/>
+              <a:t>change the state </a:t>
+            </a:r>
+            <a:r>
+              <a:rPr lang="en-US" dirty="0" smtClean="0"/>
+              <a:t>of a promise</a:t>
+            </a:r>
+            <a:endParaRPr lang="en-US" dirty="0"/>
+          </a:p>
+          <a:p>
+            <a:endParaRPr lang="en-US" dirty="0" smtClean="0"/>
+          </a:p>
+          <a:p>
+            <a:r>
+              <a:rPr lang="en-US" dirty="0" smtClean="0"/>
+              <a:t>A Promise represents a value which </a:t>
+            </a:r>
+            <a:r>
+              <a:rPr lang="en-US" b="1" dirty="0" smtClean="0"/>
               <a:t>may be available </a:t>
             </a:r>
             <a:r>
-              <a:rPr lang="en-US" dirty="0"/>
-              <a:t>now, or in the future, or never</a:t>
-            </a:r>
-            <a:r>
               <a:rPr lang="en-US" dirty="0" smtClean="0"/>
-              <a:t>.</a:t>
+              <a:t>now, or in the future, or never.</a:t>
+            </a:r>
+          </a:p>
+        </p:txBody>
+      </p:sp>
+      <p:sp>
+        <p:nvSpPr>
+          <p:cNvPr id="3" name="Titre 2"/>
+          <p:cNvSpPr>
+            <a:spLocks noGrp="1"/>
+          </p:cNvSpPr>
+          <p:nvPr>
+            <p:ph type="title"/>
+          </p:nvPr>
+        </p:nvSpPr>
+        <p:spPr/>
+        <p:txBody>
+          <a:bodyPr/>
+          <a:lstStyle/>
+          <a:p>
+            <a:r>
+              <a:rPr lang="en-US" dirty="0" smtClean="0"/>
+              <a:t>DEFER &amp; </a:t>
+            </a:r>
+            <a:r>
+              <a:rPr lang="en-US" dirty="0" smtClean="0"/>
+              <a:t>Promises</a:t>
             </a:r>
             <a:endParaRPr lang="en-US" dirty="0"/>
-          </a:p>
-          <a:p>
-            <a:r>
-              <a:rPr lang="en-US" dirty="0"/>
-              <a:t>A Promise is in one of these states:</a:t>
-            </a:r>
-          </a:p>
-          <a:p>
-            <a:pPr lvl="1"/>
-            <a:r>
-              <a:rPr lang="en-US" b="1" dirty="0" smtClean="0"/>
-              <a:t>pending</a:t>
-            </a:r>
-            <a:r>
-              <a:rPr lang="en-US" dirty="0"/>
-              <a:t>: initial state, not fulfilled or rejected.</a:t>
-            </a:r>
-          </a:p>
-          <a:p>
-            <a:pPr lvl="1"/>
-            <a:r>
-              <a:rPr lang="en-US" b="1" dirty="0"/>
-              <a:t>fulfilled</a:t>
-            </a:r>
-            <a:r>
-              <a:rPr lang="en-US" dirty="0"/>
-              <a:t>: meaning that the operation completed successfully.</a:t>
-            </a:r>
-          </a:p>
-          <a:p>
-            <a:pPr lvl="1"/>
-            <a:r>
-              <a:rPr lang="en-US" b="1" dirty="0"/>
-              <a:t>rejected</a:t>
-            </a:r>
-            <a:r>
-              <a:rPr lang="en-US" dirty="0"/>
-              <a:t>: meaning that the operation failed</a:t>
-            </a:r>
-            <a:r>
-              <a:rPr lang="en-US" dirty="0" smtClean="0"/>
-              <a:t>.</a:t>
-            </a:r>
-          </a:p>
-          <a:p>
-            <a:pPr lvl="1"/>
-            <a:endParaRPr lang="en-US" dirty="0"/>
-          </a:p>
-          <a:p>
-            <a:r>
-              <a:rPr lang="en-US" dirty="0" smtClean="0"/>
-              <a:t>Promises are good for handling asynchronous operations:</a:t>
-            </a:r>
-          </a:p>
-          <a:p>
-            <a:pPr lvl="1"/>
-            <a:r>
-              <a:rPr lang="en-US" dirty="0" smtClean="0"/>
-              <a:t>Wait for a large file to load</a:t>
-            </a:r>
-          </a:p>
-          <a:p>
-            <a:pPr lvl="1"/>
-            <a:r>
-              <a:rPr lang="en-US" dirty="0" smtClean="0"/>
-              <a:t>Wait for a server to respond</a:t>
-            </a:r>
-          </a:p>
-          <a:p>
-            <a:pPr lvl="1"/>
-            <a:r>
-              <a:rPr lang="en-US" dirty="0" smtClean="0"/>
-              <a:t>Wait for a user to confirm or abort an operation</a:t>
-            </a:r>
-          </a:p>
-          <a:p>
-            <a:pPr lvl="1"/>
-            <a:r>
-              <a:rPr lang="en-US" dirty="0" smtClean="0"/>
-              <a:t>…</a:t>
-            </a:r>
-          </a:p>
-          <a:p>
-            <a:pPr lvl="1"/>
-            <a:endParaRPr lang="en-US" dirty="0" smtClean="0"/>
-          </a:p>
-          <a:p>
-            <a:pPr lvl="1"/>
-            <a:endParaRPr lang="en-US" dirty="0" smtClean="0"/>
-          </a:p>
-          <a:p>
-            <a:pPr lvl="1"/>
-            <a:endParaRPr lang="en-US" dirty="0" smtClean="0"/>
-          </a:p>
-        </p:txBody>
-      </p:sp>
-      <p:sp>
-        <p:nvSpPr>
-          <p:cNvPr id="3" name="Titre 2"/>
-          <p:cNvSpPr>
-            <a:spLocks noGrp="1"/>
-          </p:cNvSpPr>
-          <p:nvPr>
-            <p:ph type="title"/>
-          </p:nvPr>
-        </p:nvSpPr>
-        <p:spPr/>
-        <p:txBody>
-          <a:bodyPr/>
-          <a:lstStyle/>
-          <a:p>
-            <a:r>
-              <a:rPr lang="en-US" dirty="0"/>
-              <a:t>Promises</a:t>
-            </a:r>
           </a:p>
         </p:txBody>
       </p:sp>
@@ -9509,6 +9449,31 @@
           </a:p>
           <a:p>
             <a:r>
+              <a:rPr lang="en-US" dirty="0"/>
+              <a:t>Properties</a:t>
+            </a:r>
+          </a:p>
+          <a:p>
+            <a:pPr lvl="1"/>
+            <a:r>
+              <a:rPr lang="en-US" b="1" dirty="0">
+                <a:latin typeface="Courier New" panose="02070309020205020404" pitchFamily="49" charset="0"/>
+                <a:cs typeface="Courier New" panose="02070309020205020404" pitchFamily="49" charset="0"/>
+              </a:rPr>
+              <a:t>promise</a:t>
+            </a:r>
+            <a:r>
+              <a:rPr lang="en-US" dirty="0"/>
+              <a:t> – {Promise} – promise object associated with this deferred</a:t>
+            </a:r>
+            <a:r>
+              <a:rPr lang="en-US" dirty="0" smtClean="0"/>
+              <a:t>.</a:t>
+            </a:r>
+            <a:endParaRPr lang="en-US" dirty="0" smtClean="0"/>
+          </a:p>
+          <a:p>
+            <a:r>
               <a:rPr lang="en-US" dirty="0" smtClean="0"/>
               <a:t>Methods</a:t>
             </a:r>
@@ -9559,28 +9524,6 @@
               <a:rPr lang="en-US" dirty="0" smtClean="0"/>
               <a:t> - provides updates on the status of the promise's execution. This may be called multiple times before the promise is either resolved or rejected.</a:t>
             </a:r>
-          </a:p>
-          <a:p>
-            <a:r>
-              <a:rPr lang="en-US" dirty="0" smtClean="0"/>
-              <a:t>Properties</a:t>
-            </a:r>
-            <a:endParaRPr lang="en-US" dirty="0"/>
-          </a:p>
-          <a:p>
-            <a:pPr lvl="1"/>
-            <a:r>
-              <a:rPr lang="en-US" b="1" dirty="0">
-                <a:latin typeface="Courier New" panose="02070309020205020404" pitchFamily="49" charset="0"/>
-                <a:cs typeface="Courier New" panose="02070309020205020404" pitchFamily="49" charset="0"/>
-              </a:rPr>
-              <a:t>promise</a:t>
-            </a:r>
-            <a:r>
-              <a:rPr lang="en-US" dirty="0"/>
-              <a:t> – {Promise} – promise object associated with this deferred.</a:t>
-            </a:r>
-            <a:endParaRPr lang="en-US" dirty="0" smtClean="0"/>
           </a:p>
           <a:p>
             <a:pPr lvl="1"/>
@@ -10249,11 +10192,25 @@
           </a:p>
           <a:p>
             <a:r>
+              <a:rPr lang="en-US" sz="1800" b="1" dirty="0" smtClean="0">
+                <a:latin typeface="Courier New" panose="02070309020205020404" pitchFamily="49" charset="0"/>
+                <a:cs typeface="Courier New" panose="02070309020205020404" pitchFamily="49" charset="0"/>
+              </a:rPr>
+              <a:t>$</a:t>
+            </a:r>
+            <a:r>
+              <a:rPr lang="en-US" sz="1800" b="1" dirty="0" err="1" smtClean="0">
+                <a:latin typeface="Courier New" panose="02070309020205020404" pitchFamily="49" charset="0"/>
+                <a:cs typeface="Courier New" panose="02070309020205020404" pitchFamily="49" charset="0"/>
+              </a:rPr>
+              <a:t>q.defer</a:t>
+            </a:r>
+            <a:r>
               <a:rPr lang="en-US" sz="1800" b="1" dirty="0">
                 <a:latin typeface="Courier New" panose="02070309020205020404" pitchFamily="49" charset="0"/>
                 <a:cs typeface="Courier New" panose="02070309020205020404" pitchFamily="49" charset="0"/>
               </a:rPr>
-              <a:t>defer();</a:t>
+              <a:t>();</a:t>
             </a:r>
           </a:p>
           <a:p>
@@ -10277,31 +10234,73 @@
                 <a:latin typeface="Courier New" panose="02070309020205020404" pitchFamily="49" charset="0"/>
                 <a:cs typeface="Courier New" panose="02070309020205020404" pitchFamily="49" charset="0"/>
               </a:rPr>
-              <a:t>all(promises);</a:t>
-            </a:r>
-          </a:p>
-          <a:p>
-            <a:pPr lvl="1"/>
-            <a:r>
-              <a:rPr lang="en-US" dirty="0" smtClean="0"/>
-              <a:t>Combines </a:t>
-            </a:r>
-            <a:r>
-              <a:rPr lang="en-US" dirty="0"/>
-              <a:t>multiple promises into a single promise that is resolved when all of the input promises are </a:t>
-            </a:r>
-            <a:r>
-              <a:rPr lang="en-US" dirty="0" smtClean="0"/>
-              <a:t>resolved.</a:t>
-            </a:r>
-          </a:p>
-          <a:p>
+              <a:t>$</a:t>
+            </a:r>
+            <a:r>
+              <a:rPr lang="en-US" sz="1800" b="1" dirty="0" err="1">
+                <a:latin typeface="Courier New" panose="02070309020205020404" pitchFamily="49" charset="0"/>
+                <a:cs typeface="Courier New" panose="02070309020205020404" pitchFamily="49" charset="0"/>
+              </a:rPr>
+              <a:t>q.all</a:t>
+            </a:r>
             <a:r>
               <a:rPr lang="en-US" sz="1800" b="1" dirty="0">
                 <a:latin typeface="Courier New" panose="02070309020205020404" pitchFamily="49" charset="0"/>
                 <a:cs typeface="Courier New" panose="02070309020205020404" pitchFamily="49" charset="0"/>
               </a:rPr>
-              <a:t>race(promises);</a:t>
+              <a:t>(promises</a:t>
+            </a:r>
+            <a:r>
+              <a:rPr lang="en-US" sz="1800" b="1" dirty="0">
+                <a:latin typeface="Courier New" panose="02070309020205020404" pitchFamily="49" charset="0"/>
+                <a:cs typeface="Courier New" panose="02070309020205020404" pitchFamily="49" charset="0"/>
+              </a:rPr>
+              <a:t>);</a:t>
+            </a:r>
+          </a:p>
+          <a:p>
+            <a:pPr lvl="1"/>
+            <a:r>
+              <a:rPr lang="en-US" dirty="0" smtClean="0"/>
+              <a:t>Combines </a:t>
+            </a:r>
+            <a:r>
+              <a:rPr lang="en-US" dirty="0"/>
+              <a:t>multiple promises into a single promise that is resolved when all of the input promises are </a:t>
+            </a:r>
+            <a:r>
+              <a:rPr lang="en-US" dirty="0" smtClean="0"/>
+              <a:t>resolved.</a:t>
+            </a:r>
+          </a:p>
+          <a:p>
+            <a:r>
+              <a:rPr lang="en-US" sz="1800" b="1" dirty="0">
+                <a:latin typeface="Courier New" panose="02070309020205020404" pitchFamily="49" charset="0"/>
+                <a:cs typeface="Courier New" panose="02070309020205020404" pitchFamily="49" charset="0"/>
+              </a:rPr>
+              <a:t>$</a:t>
+            </a:r>
+            <a:r>
+              <a:rPr lang="en-US" sz="1800" b="1" dirty="0" err="1">
+                <a:latin typeface="Courier New" panose="02070309020205020404" pitchFamily="49" charset="0"/>
+                <a:cs typeface="Courier New" panose="02070309020205020404" pitchFamily="49" charset="0"/>
+              </a:rPr>
+              <a:t>q.race</a:t>
+            </a:r>
+            <a:r>
+              <a:rPr lang="en-US" sz="1800" b="1" dirty="0">
+                <a:latin typeface="Courier New" panose="02070309020205020404" pitchFamily="49" charset="0"/>
+                <a:cs typeface="Courier New" panose="02070309020205020404" pitchFamily="49" charset="0"/>
+              </a:rPr>
+              <a:t>(promises</a:t>
+            </a:r>
+            <a:r>
+              <a:rPr lang="en-US" sz="1800" b="1" dirty="0">
+                <a:latin typeface="Courier New" panose="02070309020205020404" pitchFamily="49" charset="0"/>
+                <a:cs typeface="Courier New" panose="02070309020205020404" pitchFamily="49" charset="0"/>
+              </a:rPr>
+              <a:t>);</a:t>
             </a:r>
           </a:p>
           <a:p>

--- a/10 $q/$q.pptx
+++ b/10 $q/$q.pptx
@@ -5,22 +5,20 @@
     <p:sldMasterId id="2147483648" r:id="rId1"/>
   </p:sldMasterIdLst>
   <p:notesMasterIdLst>
-    <p:notesMasterId r:id="rId12"/>
+    <p:notesMasterId r:id="rId10"/>
   </p:notesMasterIdLst>
   <p:handoutMasterIdLst>
-    <p:handoutMasterId r:id="rId13"/>
+    <p:handoutMasterId r:id="rId11"/>
   </p:handoutMasterIdLst>
   <p:sldIdLst>
     <p:sldId id="339" r:id="rId2"/>
     <p:sldId id="465" r:id="rId3"/>
     <p:sldId id="473" r:id="rId4"/>
-    <p:sldId id="471" r:id="rId5"/>
-    <p:sldId id="474" r:id="rId6"/>
-    <p:sldId id="472" r:id="rId7"/>
-    <p:sldId id="470" r:id="rId8"/>
-    <p:sldId id="468" r:id="rId9"/>
-    <p:sldId id="475" r:id="rId10"/>
-    <p:sldId id="476" r:id="rId11"/>
+    <p:sldId id="470" r:id="rId5"/>
+    <p:sldId id="471" r:id="rId6"/>
+    <p:sldId id="468" r:id="rId7"/>
+    <p:sldId id="474" r:id="rId8"/>
+    <p:sldId id="472" r:id="rId9"/>
   </p:sldIdLst>
   <p:sldSz cx="9144000" cy="6858000" type="screen4x3"/>
   <p:notesSz cx="7104063" cy="10234613"/>
@@ -291,7 +289,7 @@
             <a:fld id="{87731427-D242-475D-9180-8940013A50B8}" type="datetimeFigureOut">
               <a:rPr lang="en-GB" smtClean="0"/>
               <a:pPr algn="l"/>
-              <a:t>08/06/2017</a:t>
+              <a:t>09/06/2017</a:t>
             </a:fld>
             <a:endParaRPr lang="en-GB" dirty="0"/>
           </a:p>
@@ -496,7 +494,7 @@
             <a:fld id="{BA521D56-F1F4-41A0-82EB-989F4F6F400D}" type="datetimeFigureOut">
               <a:rPr lang="fr-FR" smtClean="0"/>
               <a:pPr/>
-              <a:t>08/06/2017</a:t>
+              <a:t>09/06/2017</a:t>
             </a:fld>
             <a:endParaRPr lang="fr-FR"/>
           </a:p>
@@ -8771,416 +8769,6 @@
 </p:sld>
 </file>
 
-<file path=ppt/slides/slide10.xml><?xml version="1.0" encoding="utf-8"?>
-<p:sld xmlns:a="http://schemas.openxmlformats.org/drawingml/2006/main" xmlns:r="http://schemas.openxmlformats.org/officeDocument/2006/relationships" xmlns:p="http://schemas.openxmlformats.org/presentationml/2006/main">
-  <p:cSld>
-    <p:spTree>
-      <p:nvGrpSpPr>
-        <p:cNvPr id="1" name=""/>
-        <p:cNvGrpSpPr/>
-        <p:nvPr/>
-      </p:nvGrpSpPr>
-      <p:grpSpPr>
-        <a:xfrm>
-          <a:off x="0" y="0"/>
-          <a:ext cx="0" cy="0"/>
-          <a:chOff x="0" y="0"/>
-          <a:chExt cx="0" cy="0"/>
-        </a:xfrm>
-      </p:grpSpPr>
-      <p:sp>
-        <p:nvSpPr>
-          <p:cNvPr id="2" name="Espace réservé du contenu 1"/>
-          <p:cNvSpPr>
-            <a:spLocks noGrp="1"/>
-          </p:cNvSpPr>
-          <p:nvPr>
-            <p:ph idx="1"/>
-          </p:nvPr>
-        </p:nvSpPr>
-        <p:spPr>
-          <a:xfrm>
-            <a:off x="418356" y="1124712"/>
-            <a:ext cx="8088511" cy="4681537"/>
-          </a:xfrm>
-        </p:spPr>
-        <p:txBody>
-          <a:bodyPr/>
-          <a:lstStyle/>
-          <a:p>
-            <a:pPr marL="0" indent="0">
-              <a:buNone/>
-            </a:pPr>
-            <a:r>
-              <a:rPr lang="fr-FR" dirty="0"/>
-              <a:t>Tip: pour obtenir un booléen aléatoire, appeler la fonction suivante:</a:t>
-            </a:r>
-            <a:endParaRPr lang="fr-FR" sz="1400" dirty="0"/>
-          </a:p>
-          <a:p>
-            <a:pPr marL="0" indent="0">
-              <a:spcBef>
-                <a:spcPts val="0"/>
-              </a:spcBef>
-              <a:buNone/>
-            </a:pPr>
-            <a:endParaRPr lang="fr-FR" sz="1400" dirty="0" smtClean="0">
-              <a:latin typeface="Courier New" panose="02070309020205020404" pitchFamily="49" charset="0"/>
-              <a:cs typeface="Courier New" panose="02070309020205020404" pitchFamily="49" charset="0"/>
-            </a:endParaRPr>
-          </a:p>
-          <a:p>
-            <a:pPr marL="0" indent="0">
-              <a:spcBef>
-                <a:spcPts val="0"/>
-              </a:spcBef>
-              <a:buNone/>
-            </a:pPr>
-            <a:endParaRPr lang="fr-FR" sz="1400" dirty="0">
-              <a:latin typeface="Courier New" panose="02070309020205020404" pitchFamily="49" charset="0"/>
-              <a:cs typeface="Courier New" panose="02070309020205020404" pitchFamily="49" charset="0"/>
-            </a:endParaRPr>
-          </a:p>
-          <a:p>
-            <a:pPr marL="0" indent="0">
-              <a:spcBef>
-                <a:spcPts val="0"/>
-              </a:spcBef>
-              <a:buNone/>
-            </a:pPr>
-            <a:r>
-              <a:rPr lang="fr-FR" sz="1400" dirty="0" smtClean="0">
-                <a:latin typeface="Courier New" panose="02070309020205020404" pitchFamily="49" charset="0"/>
-                <a:cs typeface="Courier New" panose="02070309020205020404" pitchFamily="49" charset="0"/>
-              </a:rPr>
-              <a:t>/**</a:t>
-            </a:r>
-            <a:endParaRPr lang="fr-FR" sz="1100" dirty="0">
-              <a:latin typeface="Courier New" panose="02070309020205020404" pitchFamily="49" charset="0"/>
-              <a:cs typeface="Courier New" panose="02070309020205020404" pitchFamily="49" charset="0"/>
-            </a:endParaRPr>
-          </a:p>
-          <a:p>
-            <a:pPr marL="0" indent="0">
-              <a:spcBef>
-                <a:spcPts val="0"/>
-              </a:spcBef>
-              <a:buNone/>
-            </a:pPr>
-            <a:r>
-              <a:rPr lang="fr-FR" sz="1400" dirty="0">
-                <a:latin typeface="Courier New" panose="02070309020205020404" pitchFamily="49" charset="0"/>
-                <a:cs typeface="Courier New" panose="02070309020205020404" pitchFamily="49" charset="0"/>
-              </a:rPr>
-              <a:t> * Retourne une </a:t>
-            </a:r>
-            <a:r>
-              <a:rPr lang="fr-FR" sz="1400" dirty="0" err="1">
-                <a:latin typeface="Courier New" panose="02070309020205020404" pitchFamily="49" charset="0"/>
-                <a:cs typeface="Courier New" panose="02070309020205020404" pitchFamily="49" charset="0"/>
-              </a:rPr>
-              <a:t>boolean</a:t>
-            </a:r>
-            <a:r>
-              <a:rPr lang="fr-FR" sz="1400" dirty="0">
-                <a:latin typeface="Courier New" panose="02070309020205020404" pitchFamily="49" charset="0"/>
-                <a:cs typeface="Courier New" panose="02070309020205020404" pitchFamily="49" charset="0"/>
-              </a:rPr>
-              <a:t> dont la valeur est déterminée aléatoirement</a:t>
-            </a:r>
-            <a:endParaRPr lang="fr-FR" sz="1100" dirty="0">
-              <a:latin typeface="Courier New" panose="02070309020205020404" pitchFamily="49" charset="0"/>
-              <a:cs typeface="Courier New" panose="02070309020205020404" pitchFamily="49" charset="0"/>
-            </a:endParaRPr>
-          </a:p>
-          <a:p>
-            <a:pPr marL="0" indent="0">
-              <a:spcBef>
-                <a:spcPts val="0"/>
-              </a:spcBef>
-              <a:buNone/>
-            </a:pPr>
-            <a:r>
-              <a:rPr lang="fr-FR" sz="1400" dirty="0">
-                <a:latin typeface="Courier New" panose="02070309020205020404" pitchFamily="49" charset="0"/>
-                <a:cs typeface="Courier New" panose="02070309020205020404" pitchFamily="49" charset="0"/>
-              </a:rPr>
-              <a:t> * return {</a:t>
-            </a:r>
-            <a:r>
-              <a:rPr lang="fr-FR" sz="1400" dirty="0" err="1">
-                <a:latin typeface="Courier New" panose="02070309020205020404" pitchFamily="49" charset="0"/>
-                <a:cs typeface="Courier New" panose="02070309020205020404" pitchFamily="49" charset="0"/>
-              </a:rPr>
-              <a:t>bool</a:t>
-            </a:r>
-            <a:r>
-              <a:rPr lang="fr-FR" sz="1400" dirty="0">
-                <a:latin typeface="Courier New" panose="02070309020205020404" pitchFamily="49" charset="0"/>
-                <a:cs typeface="Courier New" panose="02070309020205020404" pitchFamily="49" charset="0"/>
-              </a:rPr>
-              <a:t>} </a:t>
-            </a:r>
-            <a:r>
-              <a:rPr lang="fr-FR" sz="1400" dirty="0" err="1">
-                <a:latin typeface="Courier New" panose="02070309020205020404" pitchFamily="49" charset="0"/>
-                <a:cs typeface="Courier New" panose="02070309020205020404" pitchFamily="49" charset="0"/>
-              </a:rPr>
-              <a:t>boolean</a:t>
-            </a:r>
-            <a:r>
-              <a:rPr lang="fr-FR" sz="1400" dirty="0">
-                <a:latin typeface="Courier New" panose="02070309020205020404" pitchFamily="49" charset="0"/>
-                <a:cs typeface="Courier New" panose="02070309020205020404" pitchFamily="49" charset="0"/>
-              </a:rPr>
-              <a:t> de valeur aléatoire</a:t>
-            </a:r>
-            <a:endParaRPr lang="fr-FR" sz="1100" dirty="0">
-              <a:latin typeface="Courier New" panose="02070309020205020404" pitchFamily="49" charset="0"/>
-              <a:cs typeface="Courier New" panose="02070309020205020404" pitchFamily="49" charset="0"/>
-            </a:endParaRPr>
-          </a:p>
-          <a:p>
-            <a:pPr marL="0" indent="0">
-              <a:spcBef>
-                <a:spcPts val="0"/>
-              </a:spcBef>
-              <a:buNone/>
-            </a:pPr>
-            <a:r>
-              <a:rPr lang="fr-FR" sz="1400" dirty="0">
-                <a:latin typeface="Courier New" panose="02070309020205020404" pitchFamily="49" charset="0"/>
-                <a:cs typeface="Courier New" panose="02070309020205020404" pitchFamily="49" charset="0"/>
-              </a:rPr>
-              <a:t> </a:t>
-            </a:r>
-            <a:r>
-              <a:rPr lang="fr-FR" sz="1400" dirty="0" smtClean="0">
-                <a:latin typeface="Courier New" panose="02070309020205020404" pitchFamily="49" charset="0"/>
-                <a:cs typeface="Courier New" panose="02070309020205020404" pitchFamily="49" charset="0"/>
-              </a:rPr>
-              <a:t>*/</a:t>
-            </a:r>
-            <a:endParaRPr lang="fr-FR" sz="1100" dirty="0">
-              <a:latin typeface="Courier New" panose="02070309020205020404" pitchFamily="49" charset="0"/>
-              <a:cs typeface="Courier New" panose="02070309020205020404" pitchFamily="49" charset="0"/>
-            </a:endParaRPr>
-          </a:p>
-          <a:p>
-            <a:pPr marL="0" indent="0">
-              <a:spcBef>
-                <a:spcPts val="0"/>
-              </a:spcBef>
-              <a:buNone/>
-            </a:pPr>
-            <a:r>
-              <a:rPr lang="fr-FR" sz="1400" dirty="0" err="1">
-                <a:latin typeface="Courier New" panose="02070309020205020404" pitchFamily="49" charset="0"/>
-                <a:cs typeface="Courier New" panose="02070309020205020404" pitchFamily="49" charset="0"/>
-              </a:rPr>
-              <a:t>function</a:t>
-            </a:r>
-            <a:r>
-              <a:rPr lang="fr-FR" sz="1400" dirty="0">
-                <a:latin typeface="Courier New" panose="02070309020205020404" pitchFamily="49" charset="0"/>
-                <a:cs typeface="Courier New" panose="02070309020205020404" pitchFamily="49" charset="0"/>
-              </a:rPr>
-              <a:t> </a:t>
-            </a:r>
-            <a:r>
-              <a:rPr lang="fr-FR" sz="1400" dirty="0" err="1">
-                <a:latin typeface="Courier New" panose="02070309020205020404" pitchFamily="49" charset="0"/>
-                <a:cs typeface="Courier New" panose="02070309020205020404" pitchFamily="49" charset="0"/>
-              </a:rPr>
-              <a:t>randomBool</a:t>
-            </a:r>
-            <a:r>
-              <a:rPr lang="fr-FR" sz="1400" dirty="0">
-                <a:latin typeface="Courier New" panose="02070309020205020404" pitchFamily="49" charset="0"/>
-                <a:cs typeface="Courier New" panose="02070309020205020404" pitchFamily="49" charset="0"/>
-              </a:rPr>
-              <a:t>() {</a:t>
-            </a:r>
-            <a:endParaRPr lang="fr-FR" sz="1100" dirty="0">
-              <a:latin typeface="Courier New" panose="02070309020205020404" pitchFamily="49" charset="0"/>
-              <a:cs typeface="Courier New" panose="02070309020205020404" pitchFamily="49" charset="0"/>
-            </a:endParaRPr>
-          </a:p>
-          <a:p>
-            <a:pPr marL="0" indent="0">
-              <a:spcBef>
-                <a:spcPts val="0"/>
-              </a:spcBef>
-              <a:buNone/>
-            </a:pPr>
-            <a:r>
-              <a:rPr lang="fr-FR" sz="1400" dirty="0">
-                <a:latin typeface="Courier New" panose="02070309020205020404" pitchFamily="49" charset="0"/>
-                <a:cs typeface="Courier New" panose="02070309020205020404" pitchFamily="49" charset="0"/>
-              </a:rPr>
-              <a:t>	return </a:t>
-            </a:r>
-            <a:r>
-              <a:rPr lang="fr-FR" sz="1400" dirty="0" err="1" smtClean="0">
-                <a:latin typeface="Courier New" panose="02070309020205020404" pitchFamily="49" charset="0"/>
-                <a:cs typeface="Courier New" panose="02070309020205020404" pitchFamily="49" charset="0"/>
-              </a:rPr>
-              <a:t>Math.random</a:t>
-            </a:r>
-            <a:r>
-              <a:rPr lang="fr-FR" sz="1400" dirty="0">
-                <a:latin typeface="Courier New" panose="02070309020205020404" pitchFamily="49" charset="0"/>
-                <a:cs typeface="Courier New" panose="02070309020205020404" pitchFamily="49" charset="0"/>
-              </a:rPr>
-              <a:t>() &gt;= </a:t>
-            </a:r>
-            <a:r>
-              <a:rPr lang="fr-FR" sz="1400" dirty="0" smtClean="0">
-                <a:latin typeface="Courier New" panose="02070309020205020404" pitchFamily="49" charset="0"/>
-                <a:cs typeface="Courier New" panose="02070309020205020404" pitchFamily="49" charset="0"/>
-              </a:rPr>
-              <a:t>0.5;</a:t>
-            </a:r>
-            <a:endParaRPr lang="fr-FR" sz="1100" dirty="0">
-              <a:latin typeface="Courier New" panose="02070309020205020404" pitchFamily="49" charset="0"/>
-              <a:cs typeface="Courier New" panose="02070309020205020404" pitchFamily="49" charset="0"/>
-            </a:endParaRPr>
-          </a:p>
-          <a:p>
-            <a:pPr marL="0" indent="0">
-              <a:spcBef>
-                <a:spcPts val="0"/>
-              </a:spcBef>
-              <a:buNone/>
-            </a:pPr>
-            <a:r>
-              <a:rPr lang="fr-FR" sz="1400" dirty="0">
-                <a:latin typeface="Courier New" panose="02070309020205020404" pitchFamily="49" charset="0"/>
-                <a:cs typeface="Courier New" panose="02070309020205020404" pitchFamily="49" charset="0"/>
-              </a:rPr>
-              <a:t>}</a:t>
-            </a:r>
-            <a:endParaRPr lang="fr-FR" sz="1100" dirty="0">
-              <a:latin typeface="Courier New" panose="02070309020205020404" pitchFamily="49" charset="0"/>
-              <a:cs typeface="Courier New" panose="02070309020205020404" pitchFamily="49" charset="0"/>
-            </a:endParaRPr>
-          </a:p>
-          <a:p>
-            <a:pPr marL="0" indent="0">
-              <a:buNone/>
-            </a:pPr>
-            <a:r>
-              <a:rPr lang="fr-FR" dirty="0"/>
-              <a:t> </a:t>
-            </a:r>
-          </a:p>
-        </p:txBody>
-      </p:sp>
-      <p:sp>
-        <p:nvSpPr>
-          <p:cNvPr id="3" name="Titre 2"/>
-          <p:cNvSpPr>
-            <a:spLocks noGrp="1"/>
-          </p:cNvSpPr>
-          <p:nvPr>
-            <p:ph type="title"/>
-          </p:nvPr>
-        </p:nvSpPr>
-        <p:spPr/>
-        <p:txBody>
-          <a:bodyPr/>
-          <a:lstStyle/>
-          <a:p>
-            <a:r>
-              <a:rPr lang="fr-FR" dirty="0"/>
-              <a:t>Promises</a:t>
-            </a:r>
-          </a:p>
-        </p:txBody>
-      </p:sp>
-      <p:sp>
-        <p:nvSpPr>
-          <p:cNvPr id="4" name="Espace réservé du pied de page 3"/>
-          <p:cNvSpPr>
-            <a:spLocks noGrp="1"/>
-          </p:cNvSpPr>
-          <p:nvPr>
-            <p:ph type="ftr" sz="quarter" idx="11"/>
-          </p:nvPr>
-        </p:nvSpPr>
-        <p:spPr/>
-        <p:txBody>
-          <a:bodyPr/>
-          <a:lstStyle/>
-          <a:p>
-            <a:endParaRPr lang="fr-FR" dirty="0"/>
-          </a:p>
-        </p:txBody>
-      </p:sp>
-      <p:sp>
-        <p:nvSpPr>
-          <p:cNvPr id="5" name="Espace réservé du numéro de diapositive 4"/>
-          <p:cNvSpPr>
-            <a:spLocks noGrp="1"/>
-          </p:cNvSpPr>
-          <p:nvPr>
-            <p:ph type="sldNum" sz="quarter" idx="12"/>
-          </p:nvPr>
-        </p:nvSpPr>
-        <p:spPr/>
-        <p:txBody>
-          <a:bodyPr/>
-          <a:lstStyle/>
-          <a:p>
-            <a:fld id="{AF43E6FD-AB27-4108-A2FC-346BB5F75E3F}" type="slidenum">
-              <a:rPr lang="fr-FR" smtClean="0"/>
-              <a:pPr/>
-              <a:t>10</a:t>
-            </a:fld>
-            <a:endParaRPr lang="fr-FR" dirty="0"/>
-          </a:p>
-        </p:txBody>
-      </p:sp>
-      <p:sp>
-        <p:nvSpPr>
-          <p:cNvPr id="6" name="Espace réservé du texte 5"/>
-          <p:cNvSpPr>
-            <a:spLocks noGrp="1"/>
-          </p:cNvSpPr>
-          <p:nvPr>
-            <p:ph type="body" sz="quarter" idx="13"/>
-          </p:nvPr>
-        </p:nvSpPr>
-        <p:spPr>
-          <a:ln>
-            <a:noFill/>
-          </a:ln>
-        </p:spPr>
-        <p:txBody>
-          <a:bodyPr/>
-          <a:lstStyle/>
-          <a:p>
-            <a:r>
-              <a:rPr lang="en-US" cap="none" dirty="0" smtClean="0"/>
-              <a:t>TP (suite)</a:t>
-            </a:r>
-            <a:endParaRPr lang="en-US" cap="none" dirty="0"/>
-          </a:p>
-        </p:txBody>
-      </p:sp>
-    </p:spTree>
-    <p:extLst>
-      <p:ext uri="{BB962C8B-B14F-4D97-AF65-F5344CB8AC3E}">
-        <p14:creationId xmlns:p14="http://schemas.microsoft.com/office/powerpoint/2010/main" val="278244097"/>
-      </p:ext>
-    </p:extLst>
-  </p:cSld>
-  <p:clrMapOvr>
-    <a:masterClrMapping/>
-  </p:clrMapOvr>
-</p:sld>
-</file>
-
 <file path=ppt/slides/slide2.xml><?xml version="1.0" encoding="utf-8"?>
 <p:sld xmlns:a="http://schemas.openxmlformats.org/drawingml/2006/main" xmlns:r="http://schemas.openxmlformats.org/officeDocument/2006/relationships" xmlns:p="http://schemas.openxmlformats.org/presentationml/2006/main">
   <p:cSld>
@@ -9285,11 +8873,7 @@
           <a:p>
             <a:r>
               <a:rPr lang="en-US" dirty="0" smtClean="0"/>
-              <a:t>DEFER &amp; </a:t>
-            </a:r>
-            <a:r>
-              <a:rPr lang="en-US" dirty="0" smtClean="0"/>
-              <a:t>Promises</a:t>
+              <a:t>DEFER &amp; Promises</a:t>
             </a:r>
             <a:endParaRPr lang="en-US" dirty="0"/>
           </a:p>
@@ -9355,7 +8939,7 @@
           <a:p>
             <a:r>
               <a:rPr lang="en-US" cap="none" dirty="0" smtClean="0"/>
-              <a:t>What is a promise?</a:t>
+              <a:t>Defer &amp; promises</a:t>
             </a:r>
             <a:endParaRPr lang="en-US" cap="none" dirty="0"/>
           </a:p>
@@ -9470,7 +9054,6 @@
               <a:rPr lang="en-US" dirty="0" smtClean="0"/>
               <a:t>.</a:t>
             </a:r>
-            <a:endParaRPr lang="en-US" dirty="0" smtClean="0"/>
           </a:p>
           <a:p>
             <a:r>
@@ -9551,9 +9134,10 @@
           <a:lstStyle/>
           <a:p>
             <a:r>
-              <a:rPr lang="en-US" dirty="0"/>
-              <a:t>Promises</a:t>
-            </a:r>
+              <a:rPr lang="en-US" dirty="0" smtClean="0"/>
+              <a:t>Defer &amp; promises</a:t>
+            </a:r>
+            <a:endParaRPr lang="en-US" dirty="0"/>
           </a:p>
         </p:txBody>
       </p:sp>
@@ -9654,197 +9238,24 @@
       </p:grpSpPr>
       <p:sp>
         <p:nvSpPr>
-          <p:cNvPr id="2" name="Espace réservé du contenu 1"/>
-          <p:cNvSpPr>
-            <a:spLocks noGrp="1"/>
-          </p:cNvSpPr>
-          <p:nvPr>
-            <p:ph idx="1"/>
-          </p:nvPr>
-        </p:nvSpPr>
-        <p:spPr>
-          <a:xfrm>
-            <a:off x="515938" y="1112837"/>
-            <a:ext cx="8088511" cy="4681537"/>
-          </a:xfrm>
-        </p:spPr>
+          <p:cNvPr id="3" name="Titre 2"/>
+          <p:cNvSpPr>
+            <a:spLocks noGrp="1"/>
+          </p:cNvSpPr>
+          <p:nvPr>
+            <p:ph type="title"/>
+          </p:nvPr>
+        </p:nvSpPr>
+        <p:spPr/>
         <p:txBody>
           <a:bodyPr/>
           <a:lstStyle/>
           <a:p>
             <a:r>
               <a:rPr lang="en-US" dirty="0"/>
-              <a:t>A new promise instance is created when a deferred instance is created and can be retrieved by calling </a:t>
-            </a:r>
-            <a:r>
-              <a:rPr lang="en-US" sz="1800" b="1" dirty="0" err="1">
-                <a:latin typeface="Courier New" panose="02070309020205020404" pitchFamily="49" charset="0"/>
-                <a:cs typeface="Courier New" panose="02070309020205020404" pitchFamily="49" charset="0"/>
-              </a:rPr>
-              <a:t>deferred.promise</a:t>
-            </a:r>
-            <a:r>
-              <a:rPr lang="en-US" dirty="0" smtClean="0"/>
-              <a:t>.</a:t>
+              <a:t>Defer &amp; promises</a:t>
             </a:r>
             <a:endParaRPr lang="en-US" dirty="0"/>
-          </a:p>
-          <a:p>
-            <a:r>
-              <a:rPr lang="en-US" dirty="0"/>
-              <a:t>The purpose of the promise object is to allow for interested parties to get access to the result of the deferred task when it completes</a:t>
-            </a:r>
-            <a:r>
-              <a:rPr lang="en-US" dirty="0" smtClean="0"/>
-              <a:t>.</a:t>
-            </a:r>
-            <a:endParaRPr lang="en-US" dirty="0"/>
-          </a:p>
-          <a:p>
-            <a:r>
-              <a:rPr lang="en-US" dirty="0"/>
-              <a:t>Methods</a:t>
-            </a:r>
-          </a:p>
-          <a:p>
-            <a:pPr lvl="1"/>
-            <a:r>
-              <a:rPr lang="en-US" b="1" dirty="0">
-                <a:latin typeface="Courier New" panose="02070309020205020404" pitchFamily="49" charset="0"/>
-                <a:cs typeface="Courier New" panose="02070309020205020404" pitchFamily="49" charset="0"/>
-              </a:rPr>
-              <a:t>then(</a:t>
-            </a:r>
-            <a:r>
-              <a:rPr lang="en-US" b="1" dirty="0" err="1">
-                <a:latin typeface="Courier New" panose="02070309020205020404" pitchFamily="49" charset="0"/>
-                <a:cs typeface="Courier New" panose="02070309020205020404" pitchFamily="49" charset="0"/>
-              </a:rPr>
-              <a:t>successCallback</a:t>
-            </a:r>
-            <a:r>
-              <a:rPr lang="en-US" b="1" dirty="0">
-                <a:latin typeface="Courier New" panose="02070309020205020404" pitchFamily="49" charset="0"/>
-                <a:cs typeface="Courier New" panose="02070309020205020404" pitchFamily="49" charset="0"/>
-              </a:rPr>
-              <a:t>, [</a:t>
-            </a:r>
-            <a:r>
-              <a:rPr lang="en-US" b="1" dirty="0" err="1">
-                <a:latin typeface="Courier New" panose="02070309020205020404" pitchFamily="49" charset="0"/>
-                <a:cs typeface="Courier New" panose="02070309020205020404" pitchFamily="49" charset="0"/>
-              </a:rPr>
-              <a:t>errorCallback</a:t>
-            </a:r>
-            <a:r>
-              <a:rPr lang="en-US" b="1" dirty="0">
-                <a:latin typeface="Courier New" panose="02070309020205020404" pitchFamily="49" charset="0"/>
-                <a:cs typeface="Courier New" panose="02070309020205020404" pitchFamily="49" charset="0"/>
-              </a:rPr>
-              <a:t>], [</a:t>
-            </a:r>
-            <a:r>
-              <a:rPr lang="en-US" b="1" dirty="0" err="1">
-                <a:latin typeface="Courier New" panose="02070309020205020404" pitchFamily="49" charset="0"/>
-                <a:cs typeface="Courier New" panose="02070309020205020404" pitchFamily="49" charset="0"/>
-              </a:rPr>
-              <a:t>notifyCallback</a:t>
-            </a:r>
-            <a:r>
-              <a:rPr lang="en-US" b="1" dirty="0">
-                <a:latin typeface="Courier New" panose="02070309020205020404" pitchFamily="49" charset="0"/>
-                <a:cs typeface="Courier New" panose="02070309020205020404" pitchFamily="49" charset="0"/>
-              </a:rPr>
-              <a:t>]) </a:t>
-            </a:r>
-            <a:r>
-              <a:rPr lang="en-US" dirty="0"/>
-              <a:t>– regardless of when the promise was or will be resolved or rejected, then calls one of the success or error callbacks asynchronously as soon as the result is </a:t>
-            </a:r>
-            <a:r>
-              <a:rPr lang="en-US" dirty="0" smtClean="0"/>
-              <a:t>available</a:t>
-            </a:r>
-          </a:p>
-          <a:p>
-            <a:pPr lvl="1"/>
-            <a:r>
-              <a:rPr lang="en-US" b="1" dirty="0">
-                <a:latin typeface="Courier New" panose="02070309020205020404" pitchFamily="49" charset="0"/>
-                <a:cs typeface="Courier New" panose="02070309020205020404" pitchFamily="49" charset="0"/>
-              </a:rPr>
-              <a:t>catch(</a:t>
-            </a:r>
-            <a:r>
-              <a:rPr lang="en-US" b="1" dirty="0" err="1">
-                <a:latin typeface="Courier New" panose="02070309020205020404" pitchFamily="49" charset="0"/>
-                <a:cs typeface="Courier New" panose="02070309020205020404" pitchFamily="49" charset="0"/>
-              </a:rPr>
-              <a:t>errorCallback</a:t>
-            </a:r>
-            <a:r>
-              <a:rPr lang="en-US" b="1" dirty="0" smtClean="0">
-                <a:latin typeface="Courier New" panose="02070309020205020404" pitchFamily="49" charset="0"/>
-                <a:cs typeface="Courier New" panose="02070309020205020404" pitchFamily="49" charset="0"/>
-              </a:rPr>
-              <a:t>)</a:t>
-            </a:r>
-            <a:r>
-              <a:rPr lang="en-US" dirty="0" smtClean="0"/>
-              <a:t> </a:t>
-            </a:r>
-            <a:endParaRPr lang="en-US" dirty="0"/>
-          </a:p>
-          <a:p>
-            <a:pPr lvl="1"/>
-            <a:r>
-              <a:rPr lang="en-US" b="1" dirty="0">
-                <a:latin typeface="Courier New" panose="02070309020205020404" pitchFamily="49" charset="0"/>
-                <a:cs typeface="Courier New" panose="02070309020205020404" pitchFamily="49" charset="0"/>
-              </a:rPr>
-              <a:t>finally(callback, </a:t>
-            </a:r>
-            <a:r>
-              <a:rPr lang="en-US" b="1" dirty="0" err="1">
-                <a:latin typeface="Courier New" panose="02070309020205020404" pitchFamily="49" charset="0"/>
-                <a:cs typeface="Courier New" panose="02070309020205020404" pitchFamily="49" charset="0"/>
-              </a:rPr>
-              <a:t>notifyCallback</a:t>
-            </a:r>
-            <a:r>
-              <a:rPr lang="en-US" b="1" dirty="0">
-                <a:latin typeface="Courier New" panose="02070309020205020404" pitchFamily="49" charset="0"/>
-                <a:cs typeface="Courier New" panose="02070309020205020404" pitchFamily="49" charset="0"/>
-              </a:rPr>
-              <a:t>)</a:t>
-            </a:r>
-            <a:r>
-              <a:rPr lang="en-US" dirty="0"/>
-              <a:t> – allows you to observe either the fulfillment or rejection of a promise, but to do so without modifying the final value. </a:t>
-            </a:r>
-            <a:endParaRPr lang="en-US" dirty="0" smtClean="0"/>
-          </a:p>
-        </p:txBody>
-      </p:sp>
-      <p:sp>
-        <p:nvSpPr>
-          <p:cNvPr id="3" name="Titre 2"/>
-          <p:cNvSpPr>
-            <a:spLocks noGrp="1"/>
-          </p:cNvSpPr>
-          <p:nvPr>
-            <p:ph type="title"/>
-          </p:nvPr>
-        </p:nvSpPr>
-        <p:spPr/>
-        <p:txBody>
-          <a:bodyPr/>
-          <a:lstStyle/>
-          <a:p>
-            <a:r>
-              <a:rPr lang="en-US" dirty="0"/>
-              <a:t>Promises</a:t>
-            </a:r>
           </a:p>
         </p:txBody>
       </p:sp>
@@ -9907,16 +9318,46 @@
           <a:lstStyle/>
           <a:p>
             <a:r>
-              <a:rPr lang="fr-FR" dirty="0"/>
-              <a:t>The Promise API</a:t>
-            </a:r>
-          </a:p>
-        </p:txBody>
-      </p:sp>
+              <a:rPr lang="en-US" cap="none" dirty="0" err="1" smtClean="0"/>
+              <a:t>Exemple</a:t>
+            </a:r>
+            <a:endParaRPr lang="en-US" cap="none" dirty="0"/>
+          </a:p>
+        </p:txBody>
+      </p:sp>
+      <p:pic>
+        <p:nvPicPr>
+          <p:cNvPr id="7" name="Image 6"/>
+          <p:cNvPicPr>
+            <a:picLocks noChangeAspect="1"/>
+          </p:cNvPicPr>
+          <p:nvPr/>
+        </p:nvPicPr>
+        <p:blipFill>
+          <a:blip r:embed="rId2"/>
+          <a:stretch>
+            <a:fillRect/>
+          </a:stretch>
+        </p:blipFill>
+        <p:spPr>
+          <a:xfrm>
+            <a:off x="857597" y="1865745"/>
+            <a:ext cx="7419058" cy="3372299"/>
+          </a:xfrm>
+          <a:prstGeom prst="rect">
+            <a:avLst/>
+          </a:prstGeom>
+          <a:ln>
+            <a:solidFill>
+              <a:schemeClr val="tx2"/>
+            </a:solidFill>
+          </a:ln>
+        </p:spPr>
+      </p:pic>
     </p:spTree>
     <p:extLst>
       <p:ext uri="{BB962C8B-B14F-4D97-AF65-F5344CB8AC3E}">
-        <p14:creationId xmlns:p14="http://schemas.microsoft.com/office/powerpoint/2010/main" val="232462313"/>
+        <p14:creationId xmlns:p14="http://schemas.microsoft.com/office/powerpoint/2010/main" val="2871750315"/>
       </p:ext>
     </p:extLst>
   </p:cSld>
@@ -9965,6 +9406,477 @@
           <a:p>
             <a:r>
               <a:rPr lang="en-US" dirty="0"/>
+              <a:t>A new promise instance is created when a deferred instance is created and can be retrieved by calling </a:t>
+            </a:r>
+            <a:r>
+              <a:rPr lang="en-US" sz="1800" b="1" dirty="0" err="1">
+                <a:latin typeface="Courier New" panose="02070309020205020404" pitchFamily="49" charset="0"/>
+                <a:cs typeface="Courier New" panose="02070309020205020404" pitchFamily="49" charset="0"/>
+              </a:rPr>
+              <a:t>deferred.promise</a:t>
+            </a:r>
+            <a:r>
+              <a:rPr lang="en-US" dirty="0" smtClean="0"/>
+              <a:t>.</a:t>
+            </a:r>
+            <a:endParaRPr lang="en-US" dirty="0"/>
+          </a:p>
+          <a:p>
+            <a:r>
+              <a:rPr lang="en-US" dirty="0"/>
+              <a:t>The purpose of the promise object is to allow for interested parties to get access to the result of the deferred task when it completes</a:t>
+            </a:r>
+            <a:r>
+              <a:rPr lang="en-US" dirty="0" smtClean="0"/>
+              <a:t>.</a:t>
+            </a:r>
+            <a:endParaRPr lang="en-US" dirty="0"/>
+          </a:p>
+          <a:p>
+            <a:r>
+              <a:rPr lang="en-US" dirty="0"/>
+              <a:t>Methods</a:t>
+            </a:r>
+          </a:p>
+          <a:p>
+            <a:pPr lvl="1"/>
+            <a:r>
+              <a:rPr lang="en-US" b="1" dirty="0">
+                <a:latin typeface="Courier New" panose="02070309020205020404" pitchFamily="49" charset="0"/>
+                <a:cs typeface="Courier New" panose="02070309020205020404" pitchFamily="49" charset="0"/>
+              </a:rPr>
+              <a:t>then(</a:t>
+            </a:r>
+            <a:r>
+              <a:rPr lang="en-US" b="1" dirty="0" err="1">
+                <a:latin typeface="Courier New" panose="02070309020205020404" pitchFamily="49" charset="0"/>
+                <a:cs typeface="Courier New" panose="02070309020205020404" pitchFamily="49" charset="0"/>
+              </a:rPr>
+              <a:t>successCallback</a:t>
+            </a:r>
+            <a:r>
+              <a:rPr lang="en-US" b="1" dirty="0">
+                <a:latin typeface="Courier New" panose="02070309020205020404" pitchFamily="49" charset="0"/>
+                <a:cs typeface="Courier New" panose="02070309020205020404" pitchFamily="49" charset="0"/>
+              </a:rPr>
+              <a:t>, [</a:t>
+            </a:r>
+            <a:r>
+              <a:rPr lang="en-US" b="1" dirty="0" err="1">
+                <a:latin typeface="Courier New" panose="02070309020205020404" pitchFamily="49" charset="0"/>
+                <a:cs typeface="Courier New" panose="02070309020205020404" pitchFamily="49" charset="0"/>
+              </a:rPr>
+              <a:t>errorCallback</a:t>
+            </a:r>
+            <a:r>
+              <a:rPr lang="en-US" b="1" dirty="0">
+                <a:latin typeface="Courier New" panose="02070309020205020404" pitchFamily="49" charset="0"/>
+                <a:cs typeface="Courier New" panose="02070309020205020404" pitchFamily="49" charset="0"/>
+              </a:rPr>
+              <a:t>], [</a:t>
+            </a:r>
+            <a:r>
+              <a:rPr lang="en-US" b="1" dirty="0" err="1">
+                <a:latin typeface="Courier New" panose="02070309020205020404" pitchFamily="49" charset="0"/>
+                <a:cs typeface="Courier New" panose="02070309020205020404" pitchFamily="49" charset="0"/>
+              </a:rPr>
+              <a:t>notifyCallback</a:t>
+            </a:r>
+            <a:r>
+              <a:rPr lang="en-US" b="1" dirty="0">
+                <a:latin typeface="Courier New" panose="02070309020205020404" pitchFamily="49" charset="0"/>
+                <a:cs typeface="Courier New" panose="02070309020205020404" pitchFamily="49" charset="0"/>
+              </a:rPr>
+              <a:t>]) </a:t>
+            </a:r>
+            <a:r>
+              <a:rPr lang="en-US" dirty="0"/>
+              <a:t>– regardless of when the promise was or will be resolved or rejected, then calls one of the success or error callbacks asynchronously as soon as the result is </a:t>
+            </a:r>
+            <a:r>
+              <a:rPr lang="en-US" dirty="0" smtClean="0"/>
+              <a:t>available</a:t>
+            </a:r>
+          </a:p>
+          <a:p>
+            <a:pPr lvl="1"/>
+            <a:r>
+              <a:rPr lang="en-US" b="1" dirty="0">
+                <a:latin typeface="Courier New" panose="02070309020205020404" pitchFamily="49" charset="0"/>
+                <a:cs typeface="Courier New" panose="02070309020205020404" pitchFamily="49" charset="0"/>
+              </a:rPr>
+              <a:t>catch(</a:t>
+            </a:r>
+            <a:r>
+              <a:rPr lang="en-US" b="1" dirty="0" err="1">
+                <a:latin typeface="Courier New" panose="02070309020205020404" pitchFamily="49" charset="0"/>
+                <a:cs typeface="Courier New" panose="02070309020205020404" pitchFamily="49" charset="0"/>
+              </a:rPr>
+              <a:t>errorCallback</a:t>
+            </a:r>
+            <a:r>
+              <a:rPr lang="en-US" b="1" dirty="0" smtClean="0">
+                <a:latin typeface="Courier New" panose="02070309020205020404" pitchFamily="49" charset="0"/>
+                <a:cs typeface="Courier New" panose="02070309020205020404" pitchFamily="49" charset="0"/>
+              </a:rPr>
+              <a:t>)</a:t>
+            </a:r>
+            <a:r>
+              <a:rPr lang="en-US" dirty="0" smtClean="0"/>
+              <a:t> </a:t>
+            </a:r>
+            <a:endParaRPr lang="en-US" dirty="0"/>
+          </a:p>
+          <a:p>
+            <a:pPr lvl="1"/>
+            <a:r>
+              <a:rPr lang="en-US" b="1" dirty="0">
+                <a:latin typeface="Courier New" panose="02070309020205020404" pitchFamily="49" charset="0"/>
+                <a:cs typeface="Courier New" panose="02070309020205020404" pitchFamily="49" charset="0"/>
+              </a:rPr>
+              <a:t>finally(callback, </a:t>
+            </a:r>
+            <a:r>
+              <a:rPr lang="en-US" b="1" dirty="0" err="1">
+                <a:latin typeface="Courier New" panose="02070309020205020404" pitchFamily="49" charset="0"/>
+                <a:cs typeface="Courier New" panose="02070309020205020404" pitchFamily="49" charset="0"/>
+              </a:rPr>
+              <a:t>notifyCallback</a:t>
+            </a:r>
+            <a:r>
+              <a:rPr lang="en-US" b="1" dirty="0">
+                <a:latin typeface="Courier New" panose="02070309020205020404" pitchFamily="49" charset="0"/>
+                <a:cs typeface="Courier New" panose="02070309020205020404" pitchFamily="49" charset="0"/>
+              </a:rPr>
+              <a:t>)</a:t>
+            </a:r>
+            <a:r>
+              <a:rPr lang="en-US" dirty="0"/>
+              <a:t> – allows you to observe either the fulfillment or rejection of a promise, but to do so without modifying the final value. </a:t>
+            </a:r>
+            <a:endParaRPr lang="en-US" dirty="0" smtClean="0"/>
+          </a:p>
+        </p:txBody>
+      </p:sp>
+      <p:sp>
+        <p:nvSpPr>
+          <p:cNvPr id="3" name="Titre 2"/>
+          <p:cNvSpPr>
+            <a:spLocks noGrp="1"/>
+          </p:cNvSpPr>
+          <p:nvPr>
+            <p:ph type="title"/>
+          </p:nvPr>
+        </p:nvSpPr>
+        <p:spPr/>
+        <p:txBody>
+          <a:bodyPr/>
+          <a:lstStyle/>
+          <a:p>
+            <a:r>
+              <a:rPr lang="en-US" dirty="0"/>
+              <a:t>Defer &amp; promises</a:t>
+            </a:r>
+            <a:endParaRPr lang="en-US" dirty="0"/>
+          </a:p>
+        </p:txBody>
+      </p:sp>
+      <p:sp>
+        <p:nvSpPr>
+          <p:cNvPr id="4" name="Espace réservé du pied de page 3"/>
+          <p:cNvSpPr>
+            <a:spLocks noGrp="1"/>
+          </p:cNvSpPr>
+          <p:nvPr>
+            <p:ph type="ftr" sz="quarter" idx="11"/>
+          </p:nvPr>
+        </p:nvSpPr>
+        <p:spPr/>
+        <p:txBody>
+          <a:bodyPr/>
+          <a:lstStyle/>
+          <a:p>
+            <a:endParaRPr lang="fr-FR" dirty="0"/>
+          </a:p>
+        </p:txBody>
+      </p:sp>
+      <p:sp>
+        <p:nvSpPr>
+          <p:cNvPr id="5" name="Espace réservé du numéro de diapositive 4"/>
+          <p:cNvSpPr>
+            <a:spLocks noGrp="1"/>
+          </p:cNvSpPr>
+          <p:nvPr>
+            <p:ph type="sldNum" sz="quarter" idx="12"/>
+          </p:nvPr>
+        </p:nvSpPr>
+        <p:spPr/>
+        <p:txBody>
+          <a:bodyPr/>
+          <a:lstStyle/>
+          <a:p>
+            <a:fld id="{AF43E6FD-AB27-4108-A2FC-346BB5F75E3F}" type="slidenum">
+              <a:rPr lang="fr-FR" smtClean="0"/>
+              <a:pPr/>
+              <a:t>5</a:t>
+            </a:fld>
+            <a:endParaRPr lang="fr-FR" dirty="0"/>
+          </a:p>
+        </p:txBody>
+      </p:sp>
+      <p:sp>
+        <p:nvSpPr>
+          <p:cNvPr id="6" name="Espace réservé du texte 5"/>
+          <p:cNvSpPr>
+            <a:spLocks noGrp="1"/>
+          </p:cNvSpPr>
+          <p:nvPr>
+            <p:ph type="body" sz="quarter" idx="13"/>
+          </p:nvPr>
+        </p:nvSpPr>
+        <p:spPr/>
+        <p:txBody>
+          <a:bodyPr/>
+          <a:lstStyle/>
+          <a:p>
+            <a:r>
+              <a:rPr lang="fr-FR" dirty="0"/>
+              <a:t>The Promise API</a:t>
+            </a:r>
+          </a:p>
+        </p:txBody>
+      </p:sp>
+    </p:spTree>
+    <p:extLst>
+      <p:ext uri="{BB962C8B-B14F-4D97-AF65-F5344CB8AC3E}">
+        <p14:creationId xmlns:p14="http://schemas.microsoft.com/office/powerpoint/2010/main" val="232462313"/>
+      </p:ext>
+    </p:extLst>
+  </p:cSld>
+  <p:clrMapOvr>
+    <a:masterClrMapping/>
+  </p:clrMapOvr>
+</p:sld>
+</file>
+
+<file path=ppt/slides/slide6.xml><?xml version="1.0" encoding="utf-8"?>
+<p:sld xmlns:a="http://schemas.openxmlformats.org/drawingml/2006/main" xmlns:r="http://schemas.openxmlformats.org/officeDocument/2006/relationships" xmlns:p="http://schemas.openxmlformats.org/presentationml/2006/main">
+  <p:cSld>
+    <p:spTree>
+      <p:nvGrpSpPr>
+        <p:cNvPr id="1" name=""/>
+        <p:cNvGrpSpPr/>
+        <p:nvPr/>
+      </p:nvGrpSpPr>
+      <p:grpSpPr>
+        <a:xfrm>
+          <a:off x="0" y="0"/>
+          <a:ext cx="0" cy="0"/>
+          <a:chOff x="0" y="0"/>
+          <a:chExt cx="0" cy="0"/>
+        </a:xfrm>
+      </p:grpSpPr>
+      <p:sp>
+        <p:nvSpPr>
+          <p:cNvPr id="2" name="Espace réservé du contenu 1"/>
+          <p:cNvSpPr>
+            <a:spLocks noGrp="1"/>
+          </p:cNvSpPr>
+          <p:nvPr>
+            <p:ph idx="1"/>
+          </p:nvPr>
+        </p:nvSpPr>
+        <p:spPr>
+          <a:xfrm>
+            <a:off x="418356" y="1124712"/>
+            <a:ext cx="8088511" cy="4681537"/>
+          </a:xfrm>
+        </p:spPr>
+        <p:txBody>
+          <a:bodyPr/>
+          <a:lstStyle/>
+          <a:p>
+            <a:endParaRPr lang="en-US" dirty="0"/>
+          </a:p>
+          <a:p>
+            <a:endParaRPr lang="en-US" dirty="0"/>
+          </a:p>
+        </p:txBody>
+      </p:sp>
+      <p:sp>
+        <p:nvSpPr>
+          <p:cNvPr id="3" name="Titre 2"/>
+          <p:cNvSpPr>
+            <a:spLocks noGrp="1"/>
+          </p:cNvSpPr>
+          <p:nvPr>
+            <p:ph type="title"/>
+          </p:nvPr>
+        </p:nvSpPr>
+        <p:spPr/>
+        <p:txBody>
+          <a:bodyPr/>
+          <a:lstStyle/>
+          <a:p>
+            <a:r>
+              <a:rPr lang="en-US" dirty="0"/>
+              <a:t>Defer &amp; promises</a:t>
+            </a:r>
+            <a:endParaRPr lang="fr-FR" dirty="0"/>
+          </a:p>
+        </p:txBody>
+      </p:sp>
+      <p:sp>
+        <p:nvSpPr>
+          <p:cNvPr id="4" name="Espace réservé du pied de page 3"/>
+          <p:cNvSpPr>
+            <a:spLocks noGrp="1"/>
+          </p:cNvSpPr>
+          <p:nvPr>
+            <p:ph type="ftr" sz="quarter" idx="11"/>
+          </p:nvPr>
+        </p:nvSpPr>
+        <p:spPr/>
+        <p:txBody>
+          <a:bodyPr/>
+          <a:lstStyle/>
+          <a:p>
+            <a:endParaRPr lang="fr-FR" dirty="0"/>
+          </a:p>
+        </p:txBody>
+      </p:sp>
+      <p:sp>
+        <p:nvSpPr>
+          <p:cNvPr id="5" name="Espace réservé du numéro de diapositive 4"/>
+          <p:cNvSpPr>
+            <a:spLocks noGrp="1"/>
+          </p:cNvSpPr>
+          <p:nvPr>
+            <p:ph type="sldNum" sz="quarter" idx="12"/>
+          </p:nvPr>
+        </p:nvSpPr>
+        <p:spPr/>
+        <p:txBody>
+          <a:bodyPr/>
+          <a:lstStyle/>
+          <a:p>
+            <a:fld id="{AF43E6FD-AB27-4108-A2FC-346BB5F75E3F}" type="slidenum">
+              <a:rPr lang="fr-FR" smtClean="0"/>
+              <a:pPr/>
+              <a:t>6</a:t>
+            </a:fld>
+            <a:endParaRPr lang="fr-FR" dirty="0"/>
+          </a:p>
+        </p:txBody>
+      </p:sp>
+      <p:sp>
+        <p:nvSpPr>
+          <p:cNvPr id="6" name="Espace réservé du texte 5"/>
+          <p:cNvSpPr>
+            <a:spLocks noGrp="1"/>
+          </p:cNvSpPr>
+          <p:nvPr>
+            <p:ph type="body" sz="quarter" idx="13"/>
+          </p:nvPr>
+        </p:nvSpPr>
+        <p:spPr>
+          <a:ln>
+            <a:noFill/>
+          </a:ln>
+        </p:spPr>
+        <p:txBody>
+          <a:bodyPr/>
+          <a:lstStyle/>
+          <a:p>
+            <a:r>
+              <a:rPr lang="en-US" cap="none" dirty="0" err="1" smtClean="0"/>
+              <a:t>Exemple</a:t>
+            </a:r>
+            <a:endParaRPr lang="en-US" cap="none" dirty="0"/>
+          </a:p>
+        </p:txBody>
+      </p:sp>
+      <p:pic>
+        <p:nvPicPr>
+          <p:cNvPr id="7" name="Image 6"/>
+          <p:cNvPicPr>
+            <a:picLocks noChangeAspect="1"/>
+          </p:cNvPicPr>
+          <p:nvPr/>
+        </p:nvPicPr>
+        <p:blipFill>
+          <a:blip r:embed="rId2"/>
+          <a:stretch>
+            <a:fillRect/>
+          </a:stretch>
+        </p:blipFill>
+        <p:spPr>
+          <a:xfrm>
+            <a:off x="960622" y="1514866"/>
+            <a:ext cx="6376447" cy="4563853"/>
+          </a:xfrm>
+          <a:prstGeom prst="rect">
+            <a:avLst/>
+          </a:prstGeom>
+          <a:ln>
+            <a:solidFill>
+              <a:schemeClr val="tx2"/>
+            </a:solidFill>
+          </a:ln>
+        </p:spPr>
+      </p:pic>
+    </p:spTree>
+    <p:extLst>
+      <p:ext uri="{BB962C8B-B14F-4D97-AF65-F5344CB8AC3E}">
+        <p14:creationId xmlns:p14="http://schemas.microsoft.com/office/powerpoint/2010/main" val="4008562415"/>
+      </p:ext>
+    </p:extLst>
+  </p:cSld>
+  <p:clrMapOvr>
+    <a:masterClrMapping/>
+  </p:clrMapOvr>
+</p:sld>
+</file>
+
+<file path=ppt/slides/slide7.xml><?xml version="1.0" encoding="utf-8"?>
+<p:sld xmlns:a="http://schemas.openxmlformats.org/drawingml/2006/main" xmlns:r="http://schemas.openxmlformats.org/officeDocument/2006/relationships" xmlns:p="http://schemas.openxmlformats.org/presentationml/2006/main">
+  <p:cSld>
+    <p:spTree>
+      <p:nvGrpSpPr>
+        <p:cNvPr id="1" name=""/>
+        <p:cNvGrpSpPr/>
+        <p:nvPr/>
+      </p:nvGrpSpPr>
+      <p:grpSpPr>
+        <a:xfrm>
+          <a:off x="0" y="0"/>
+          <a:ext cx="0" cy="0"/>
+          <a:chOff x="0" y="0"/>
+          <a:chExt cx="0" cy="0"/>
+        </a:xfrm>
+      </p:grpSpPr>
+      <p:sp>
+        <p:nvSpPr>
+          <p:cNvPr id="2" name="Espace réservé du contenu 1"/>
+          <p:cNvSpPr>
+            <a:spLocks noGrp="1"/>
+          </p:cNvSpPr>
+          <p:nvPr>
+            <p:ph idx="1"/>
+          </p:nvPr>
+        </p:nvSpPr>
+        <p:spPr>
+          <a:xfrm>
+            <a:off x="515938" y="1112837"/>
+            <a:ext cx="8088511" cy="4681537"/>
+          </a:xfrm>
+        </p:spPr>
+        <p:txBody>
+          <a:bodyPr/>
+          <a:lstStyle/>
+          <a:p>
+            <a:r>
+              <a:rPr lang="en-US" dirty="0"/>
               <a:t>Because calling the then method of a promise returns a new derived promise, it is easily possible to create a chain of promises</a:t>
             </a:r>
             <a:r>
@@ -10003,8 +9915,9 @@
           <a:p>
             <a:r>
               <a:rPr lang="en-US" dirty="0"/>
-              <a:t>Promises</a:t>
-            </a:r>
+              <a:t>Defer &amp; promises</a:t>
+            </a:r>
+            <a:endParaRPr lang="en-US" dirty="0"/>
           </a:p>
         </p:txBody>
       </p:sp>
@@ -10045,7 +9958,7 @@
             <a:fld id="{AF43E6FD-AB27-4108-A2FC-346BB5F75E3F}" type="slidenum">
               <a:rPr lang="fr-FR" smtClean="0"/>
               <a:pPr/>
-              <a:t>5</a:t>
+              <a:t>7</a:t>
             </a:fld>
             <a:endParaRPr lang="fr-FR" dirty="0"/>
           </a:p>
@@ -10144,477 +10057,6 @@
 </p:sld>
 </file>
 
-<file path=ppt/slides/slide6.xml><?xml version="1.0" encoding="utf-8"?>
-<p:sld xmlns:a="http://schemas.openxmlformats.org/drawingml/2006/main" xmlns:r="http://schemas.openxmlformats.org/officeDocument/2006/relationships" xmlns:p="http://schemas.openxmlformats.org/presentationml/2006/main">
-  <p:cSld>
-    <p:spTree>
-      <p:nvGrpSpPr>
-        <p:cNvPr id="1" name=""/>
-        <p:cNvGrpSpPr/>
-        <p:nvPr/>
-      </p:nvGrpSpPr>
-      <p:grpSpPr>
-        <a:xfrm>
-          <a:off x="0" y="0"/>
-          <a:ext cx="0" cy="0"/>
-          <a:chOff x="0" y="0"/>
-          <a:chExt cx="0" cy="0"/>
-        </a:xfrm>
-      </p:grpSpPr>
-      <p:sp>
-        <p:nvSpPr>
-          <p:cNvPr id="2" name="Espace réservé du contenu 1"/>
-          <p:cNvSpPr>
-            <a:spLocks noGrp="1"/>
-          </p:cNvSpPr>
-          <p:nvPr>
-            <p:ph idx="1"/>
-          </p:nvPr>
-        </p:nvSpPr>
-        <p:spPr>
-          <a:xfrm>
-            <a:off x="515938" y="1112837"/>
-            <a:ext cx="8088511" cy="4681537"/>
-          </a:xfrm>
-        </p:spPr>
-        <p:txBody>
-          <a:bodyPr/>
-          <a:lstStyle/>
-          <a:p>
-            <a:r>
-              <a:rPr lang="en-US" dirty="0"/>
-              <a:t>A service that helps you run functions </a:t>
-            </a:r>
-            <a:r>
-              <a:rPr lang="en-US" dirty="0" smtClean="0"/>
-              <a:t>asynchronously</a:t>
-            </a:r>
-          </a:p>
-          <a:p>
-            <a:r>
-              <a:rPr lang="en-US" sz="1800" b="1" dirty="0" smtClean="0">
-                <a:latin typeface="Courier New" panose="02070309020205020404" pitchFamily="49" charset="0"/>
-                <a:cs typeface="Courier New" panose="02070309020205020404" pitchFamily="49" charset="0"/>
-              </a:rPr>
-              <a:t>$</a:t>
-            </a:r>
-            <a:r>
-              <a:rPr lang="en-US" sz="1800" b="1" dirty="0" err="1" smtClean="0">
-                <a:latin typeface="Courier New" panose="02070309020205020404" pitchFamily="49" charset="0"/>
-                <a:cs typeface="Courier New" panose="02070309020205020404" pitchFamily="49" charset="0"/>
-              </a:rPr>
-              <a:t>q.defer</a:t>
-            </a:r>
-            <a:r>
-              <a:rPr lang="en-US" sz="1800" b="1" dirty="0">
-                <a:latin typeface="Courier New" panose="02070309020205020404" pitchFamily="49" charset="0"/>
-                <a:cs typeface="Courier New" panose="02070309020205020404" pitchFamily="49" charset="0"/>
-              </a:rPr>
-              <a:t>();</a:t>
-            </a:r>
-          </a:p>
-          <a:p>
-            <a:pPr lvl="1"/>
-            <a:r>
-              <a:rPr lang="en-US" dirty="0" smtClean="0"/>
-              <a:t>Creates </a:t>
-            </a:r>
-            <a:r>
-              <a:rPr lang="en-US" dirty="0"/>
-              <a:t>a Deferred object which represents a task which will finish in the </a:t>
-            </a:r>
-            <a:r>
-              <a:rPr lang="en-US" dirty="0" smtClean="0"/>
-              <a:t>future</a:t>
-            </a:r>
-          </a:p>
-          <a:p>
-            <a:r>
-              <a:rPr lang="en-US" sz="1800" b="1" dirty="0">
-                <a:latin typeface="Courier New" panose="02070309020205020404" pitchFamily="49" charset="0"/>
-                <a:cs typeface="Courier New" panose="02070309020205020404" pitchFamily="49" charset="0"/>
-              </a:rPr>
-              <a:t>$</a:t>
-            </a:r>
-            <a:r>
-              <a:rPr lang="en-US" sz="1800" b="1" dirty="0" err="1">
-                <a:latin typeface="Courier New" panose="02070309020205020404" pitchFamily="49" charset="0"/>
-                <a:cs typeface="Courier New" panose="02070309020205020404" pitchFamily="49" charset="0"/>
-              </a:rPr>
-              <a:t>q.all</a:t>
-            </a:r>
-            <a:r>
-              <a:rPr lang="en-US" sz="1800" b="1" dirty="0">
-                <a:latin typeface="Courier New" panose="02070309020205020404" pitchFamily="49" charset="0"/>
-                <a:cs typeface="Courier New" panose="02070309020205020404" pitchFamily="49" charset="0"/>
-              </a:rPr>
-              <a:t>(promises</a:t>
-            </a:r>
-            <a:r>
-              <a:rPr lang="en-US" sz="1800" b="1" dirty="0">
-                <a:latin typeface="Courier New" panose="02070309020205020404" pitchFamily="49" charset="0"/>
-                <a:cs typeface="Courier New" panose="02070309020205020404" pitchFamily="49" charset="0"/>
-              </a:rPr>
-              <a:t>);</a:t>
-            </a:r>
-          </a:p>
-          <a:p>
-            <a:pPr lvl="1"/>
-            <a:r>
-              <a:rPr lang="en-US" dirty="0" smtClean="0"/>
-              <a:t>Combines </a:t>
-            </a:r>
-            <a:r>
-              <a:rPr lang="en-US" dirty="0"/>
-              <a:t>multiple promises into a single promise that is resolved when all of the input promises are </a:t>
-            </a:r>
-            <a:r>
-              <a:rPr lang="en-US" dirty="0" smtClean="0"/>
-              <a:t>resolved.</a:t>
-            </a:r>
-          </a:p>
-          <a:p>
-            <a:r>
-              <a:rPr lang="en-US" sz="1800" b="1" dirty="0">
-                <a:latin typeface="Courier New" panose="02070309020205020404" pitchFamily="49" charset="0"/>
-                <a:cs typeface="Courier New" panose="02070309020205020404" pitchFamily="49" charset="0"/>
-              </a:rPr>
-              <a:t>$</a:t>
-            </a:r>
-            <a:r>
-              <a:rPr lang="en-US" sz="1800" b="1" dirty="0" err="1">
-                <a:latin typeface="Courier New" panose="02070309020205020404" pitchFamily="49" charset="0"/>
-                <a:cs typeface="Courier New" panose="02070309020205020404" pitchFamily="49" charset="0"/>
-              </a:rPr>
-              <a:t>q.race</a:t>
-            </a:r>
-            <a:r>
-              <a:rPr lang="en-US" sz="1800" b="1" dirty="0">
-                <a:latin typeface="Courier New" panose="02070309020205020404" pitchFamily="49" charset="0"/>
-                <a:cs typeface="Courier New" panose="02070309020205020404" pitchFamily="49" charset="0"/>
-              </a:rPr>
-              <a:t>(promises</a:t>
-            </a:r>
-            <a:r>
-              <a:rPr lang="en-US" sz="1800" b="1" dirty="0">
-                <a:latin typeface="Courier New" panose="02070309020205020404" pitchFamily="49" charset="0"/>
-                <a:cs typeface="Courier New" panose="02070309020205020404" pitchFamily="49" charset="0"/>
-              </a:rPr>
-              <a:t>);</a:t>
-            </a:r>
-          </a:p>
-          <a:p>
-            <a:pPr lvl="1"/>
-            <a:r>
-              <a:rPr lang="en-US" dirty="0"/>
-              <a:t>Returns a promise that resolves or rejects as soon as one of those promises resolves or rejects, with the value or reason from that promise.</a:t>
-            </a:r>
-          </a:p>
-          <a:p>
-            <a:pPr lvl="1"/>
-            <a:endParaRPr lang="en-US" dirty="0" smtClean="0"/>
-          </a:p>
-          <a:p>
-            <a:pPr lvl="1"/>
-            <a:endParaRPr lang="en-US" dirty="0" smtClean="0"/>
-          </a:p>
-          <a:p>
-            <a:pPr lvl="1"/>
-            <a:endParaRPr lang="en-US" dirty="0" smtClean="0"/>
-          </a:p>
-          <a:p>
-            <a:pPr lvl="1"/>
-            <a:endParaRPr lang="en-US" dirty="0" smtClean="0"/>
-          </a:p>
-        </p:txBody>
-      </p:sp>
-      <p:sp>
-        <p:nvSpPr>
-          <p:cNvPr id="3" name="Titre 2"/>
-          <p:cNvSpPr>
-            <a:spLocks noGrp="1"/>
-          </p:cNvSpPr>
-          <p:nvPr>
-            <p:ph type="title"/>
-          </p:nvPr>
-        </p:nvSpPr>
-        <p:spPr/>
-        <p:txBody>
-          <a:bodyPr/>
-          <a:lstStyle/>
-          <a:p>
-            <a:r>
-              <a:rPr lang="en-US" dirty="0"/>
-              <a:t>Promises</a:t>
-            </a:r>
-          </a:p>
-        </p:txBody>
-      </p:sp>
-      <p:sp>
-        <p:nvSpPr>
-          <p:cNvPr id="4" name="Espace réservé du pied de page 3"/>
-          <p:cNvSpPr>
-            <a:spLocks noGrp="1"/>
-          </p:cNvSpPr>
-          <p:nvPr>
-            <p:ph type="ftr" sz="quarter" idx="11"/>
-          </p:nvPr>
-        </p:nvSpPr>
-        <p:spPr/>
-        <p:txBody>
-          <a:bodyPr/>
-          <a:lstStyle/>
-          <a:p>
-            <a:endParaRPr lang="fr-FR" dirty="0"/>
-          </a:p>
-        </p:txBody>
-      </p:sp>
-      <p:sp>
-        <p:nvSpPr>
-          <p:cNvPr id="5" name="Espace réservé du numéro de diapositive 4"/>
-          <p:cNvSpPr>
-            <a:spLocks noGrp="1"/>
-          </p:cNvSpPr>
-          <p:nvPr>
-            <p:ph type="sldNum" sz="quarter" idx="12"/>
-          </p:nvPr>
-        </p:nvSpPr>
-        <p:spPr/>
-        <p:txBody>
-          <a:bodyPr/>
-          <a:lstStyle/>
-          <a:p>
-            <a:fld id="{AF43E6FD-AB27-4108-A2FC-346BB5F75E3F}" type="slidenum">
-              <a:rPr lang="fr-FR" smtClean="0"/>
-              <a:pPr/>
-              <a:t>6</a:t>
-            </a:fld>
-            <a:endParaRPr lang="fr-FR" dirty="0"/>
-          </a:p>
-        </p:txBody>
-      </p:sp>
-      <p:sp>
-        <p:nvSpPr>
-          <p:cNvPr id="6" name="Espace réservé du texte 5"/>
-          <p:cNvSpPr>
-            <a:spLocks noGrp="1"/>
-          </p:cNvSpPr>
-          <p:nvPr>
-            <p:ph type="body" sz="quarter" idx="13"/>
-          </p:nvPr>
-        </p:nvSpPr>
-        <p:spPr/>
-        <p:txBody>
-          <a:bodyPr/>
-          <a:lstStyle/>
-          <a:p>
-            <a:r>
-              <a:rPr lang="en-US" cap="none" dirty="0" smtClean="0"/>
-              <a:t>Angular $q</a:t>
-            </a:r>
-            <a:endParaRPr lang="en-US" cap="none" dirty="0"/>
-          </a:p>
-        </p:txBody>
-      </p:sp>
-    </p:spTree>
-    <p:extLst>
-      <p:ext uri="{BB962C8B-B14F-4D97-AF65-F5344CB8AC3E}">
-        <p14:creationId xmlns:p14="http://schemas.microsoft.com/office/powerpoint/2010/main" val="1338369700"/>
-      </p:ext>
-    </p:extLst>
-  </p:cSld>
-  <p:clrMapOvr>
-    <a:masterClrMapping/>
-  </p:clrMapOvr>
-</p:sld>
-</file>
-
-<file path=ppt/slides/slide7.xml><?xml version="1.0" encoding="utf-8"?>
-<p:sld xmlns:a="http://schemas.openxmlformats.org/drawingml/2006/main" xmlns:r="http://schemas.openxmlformats.org/officeDocument/2006/relationships" xmlns:p="http://schemas.openxmlformats.org/presentationml/2006/main">
-  <p:cSld>
-    <p:spTree>
-      <p:nvGrpSpPr>
-        <p:cNvPr id="1" name=""/>
-        <p:cNvGrpSpPr/>
-        <p:nvPr/>
-      </p:nvGrpSpPr>
-      <p:grpSpPr>
-        <a:xfrm>
-          <a:off x="0" y="0"/>
-          <a:ext cx="0" cy="0"/>
-          <a:chOff x="0" y="0"/>
-          <a:chExt cx="0" cy="0"/>
-        </a:xfrm>
-      </p:grpSpPr>
-      <p:sp>
-        <p:nvSpPr>
-          <p:cNvPr id="2" name="Espace réservé du contenu 1"/>
-          <p:cNvSpPr>
-            <a:spLocks noGrp="1"/>
-          </p:cNvSpPr>
-          <p:nvPr>
-            <p:ph idx="1"/>
-          </p:nvPr>
-        </p:nvSpPr>
-        <p:spPr>
-          <a:xfrm>
-            <a:off x="515938" y="1112837"/>
-            <a:ext cx="8088511" cy="4681537"/>
-          </a:xfrm>
-        </p:spPr>
-        <p:txBody>
-          <a:bodyPr/>
-          <a:lstStyle/>
-          <a:p>
-            <a:r>
-              <a:rPr lang="en-US" dirty="0"/>
-              <a:t>creating a promise</a:t>
-            </a:r>
-          </a:p>
-        </p:txBody>
-      </p:sp>
-      <p:sp>
-        <p:nvSpPr>
-          <p:cNvPr id="3" name="Titre 2"/>
-          <p:cNvSpPr>
-            <a:spLocks noGrp="1"/>
-          </p:cNvSpPr>
-          <p:nvPr>
-            <p:ph type="title"/>
-          </p:nvPr>
-        </p:nvSpPr>
-        <p:spPr/>
-        <p:txBody>
-          <a:bodyPr/>
-          <a:lstStyle/>
-          <a:p>
-            <a:r>
-              <a:rPr lang="en-US" dirty="0"/>
-              <a:t>Promises</a:t>
-            </a:r>
-          </a:p>
-        </p:txBody>
-      </p:sp>
-      <p:sp>
-        <p:nvSpPr>
-          <p:cNvPr id="4" name="Espace réservé du pied de page 3"/>
-          <p:cNvSpPr>
-            <a:spLocks noGrp="1"/>
-          </p:cNvSpPr>
-          <p:nvPr>
-            <p:ph type="ftr" sz="quarter" idx="11"/>
-          </p:nvPr>
-        </p:nvSpPr>
-        <p:spPr/>
-        <p:txBody>
-          <a:bodyPr/>
-          <a:lstStyle/>
-          <a:p>
-            <a:endParaRPr lang="fr-FR" dirty="0"/>
-          </a:p>
-        </p:txBody>
-      </p:sp>
-      <p:sp>
-        <p:nvSpPr>
-          <p:cNvPr id="5" name="Espace réservé du numéro de diapositive 4"/>
-          <p:cNvSpPr>
-            <a:spLocks noGrp="1"/>
-          </p:cNvSpPr>
-          <p:nvPr>
-            <p:ph type="sldNum" sz="quarter" idx="12"/>
-          </p:nvPr>
-        </p:nvSpPr>
-        <p:spPr/>
-        <p:txBody>
-          <a:bodyPr/>
-          <a:lstStyle/>
-          <a:p>
-            <a:fld id="{AF43E6FD-AB27-4108-A2FC-346BB5F75E3F}" type="slidenum">
-              <a:rPr lang="fr-FR" smtClean="0"/>
-              <a:pPr/>
-              <a:t>7</a:t>
-            </a:fld>
-            <a:endParaRPr lang="fr-FR" dirty="0"/>
-          </a:p>
-        </p:txBody>
-      </p:sp>
-      <p:sp>
-        <p:nvSpPr>
-          <p:cNvPr id="6" name="Espace réservé du texte 5"/>
-          <p:cNvSpPr>
-            <a:spLocks noGrp="1"/>
-          </p:cNvSpPr>
-          <p:nvPr>
-            <p:ph type="body" sz="quarter" idx="13"/>
-          </p:nvPr>
-        </p:nvSpPr>
-        <p:spPr/>
-        <p:txBody>
-          <a:bodyPr/>
-          <a:lstStyle/>
-          <a:p>
-            <a:r>
-              <a:rPr lang="en-US" cap="none" dirty="0" err="1" smtClean="0"/>
-              <a:t>Exemple</a:t>
-            </a:r>
-            <a:r>
-              <a:rPr lang="en-US" cap="none" dirty="0" smtClean="0"/>
-              <a:t> </a:t>
-            </a:r>
-            <a:r>
-              <a:rPr lang="en-US" cap="none" dirty="0" err="1" smtClean="0"/>
-              <a:t>d’utilisation</a:t>
-            </a:r>
-            <a:r>
-              <a:rPr lang="en-US" cap="none" dirty="0" smtClean="0"/>
-              <a:t> avec $timeout</a:t>
-            </a:r>
-            <a:endParaRPr lang="en-US" cap="none" dirty="0"/>
-          </a:p>
-        </p:txBody>
-      </p:sp>
-      <p:pic>
-        <p:nvPicPr>
-          <p:cNvPr id="7" name="Image 6"/>
-          <p:cNvPicPr>
-            <a:picLocks noChangeAspect="1"/>
-          </p:cNvPicPr>
-          <p:nvPr/>
-        </p:nvPicPr>
-        <p:blipFill>
-          <a:blip r:embed="rId2"/>
-          <a:stretch>
-            <a:fillRect/>
-          </a:stretch>
-        </p:blipFill>
-        <p:spPr>
-          <a:xfrm>
-            <a:off x="857597" y="1865745"/>
-            <a:ext cx="7419058" cy="3372299"/>
-          </a:xfrm>
-          <a:prstGeom prst="rect">
-            <a:avLst/>
-          </a:prstGeom>
-          <a:ln>
-            <a:solidFill>
-              <a:schemeClr val="tx2"/>
-            </a:solidFill>
-          </a:ln>
-        </p:spPr>
-      </p:pic>
-    </p:spTree>
-    <p:extLst>
-      <p:ext uri="{BB962C8B-B14F-4D97-AF65-F5344CB8AC3E}">
-        <p14:creationId xmlns:p14="http://schemas.microsoft.com/office/powerpoint/2010/main" val="2871750315"/>
-      </p:ext>
-    </p:extLst>
-  </p:cSld>
-  <p:clrMapOvr>
-    <a:masterClrMapping/>
-  </p:clrMapOvr>
-</p:sld>
-</file>
-
 <file path=ppt/slides/slide8.xml><?xml version="1.0" encoding="utf-8"?>
 <p:sld xmlns:a="http://schemas.openxmlformats.org/drawingml/2006/main" xmlns:r="http://schemas.openxmlformats.org/officeDocument/2006/relationships" xmlns:p="http://schemas.openxmlformats.org/presentationml/2006/main">
   <p:cSld>
@@ -10644,7 +10086,7 @@
         </p:nvSpPr>
         <p:spPr>
           <a:xfrm>
-            <a:off x="418356" y="1124712"/>
+            <a:off x="515938" y="1112837"/>
             <a:ext cx="8088511" cy="4681537"/>
           </a:xfrm>
         </p:spPr>
@@ -10652,32 +10094,159 @@
           <a:bodyPr/>
           <a:lstStyle/>
           <a:p>
+            <a:r>
+              <a:rPr lang="en-US" dirty="0"/>
+              <a:t>A service that helps you run functions </a:t>
+            </a:r>
+            <a:r>
+              <a:rPr lang="en-US" dirty="0" smtClean="0"/>
+              <a:t>asynchronously</a:t>
+            </a:r>
+          </a:p>
+          <a:p>
+            <a:r>
+              <a:rPr lang="en-US" sz="1800" b="1" dirty="0" smtClean="0">
+                <a:latin typeface="Courier New" panose="02070309020205020404" pitchFamily="49" charset="0"/>
+                <a:cs typeface="Courier New" panose="02070309020205020404" pitchFamily="49" charset="0"/>
+              </a:rPr>
+              <a:t>$</a:t>
+            </a:r>
+            <a:r>
+              <a:rPr lang="en-US" sz="1800" b="1" dirty="0" err="1" smtClean="0">
+                <a:latin typeface="Courier New" panose="02070309020205020404" pitchFamily="49" charset="0"/>
+                <a:cs typeface="Courier New" panose="02070309020205020404" pitchFamily="49" charset="0"/>
+              </a:rPr>
+              <a:t>q.defer</a:t>
+            </a:r>
+            <a:r>
+              <a:rPr lang="en-US" sz="1800" b="1" dirty="0">
+                <a:latin typeface="Courier New" panose="02070309020205020404" pitchFamily="49" charset="0"/>
+                <a:cs typeface="Courier New" panose="02070309020205020404" pitchFamily="49" charset="0"/>
+              </a:rPr>
+              <a:t>();</a:t>
+            </a:r>
+          </a:p>
+          <a:p>
+            <a:pPr lvl="1"/>
+            <a:r>
+              <a:rPr lang="en-US" dirty="0" smtClean="0"/>
+              <a:t>Creates </a:t>
+            </a:r>
+            <a:r>
+              <a:rPr lang="en-US" dirty="0"/>
+              <a:t>a Deferred object which represents a task which will finish in the </a:t>
+            </a:r>
+            <a:r>
+              <a:rPr lang="en-US" dirty="0" smtClean="0"/>
+              <a:t>future</a:t>
+            </a:r>
+          </a:p>
+          <a:p>
+            <a:r>
+              <a:rPr lang="en-US" sz="1800" b="1" dirty="0">
+                <a:latin typeface="Courier New" panose="02070309020205020404" pitchFamily="49" charset="0"/>
+                <a:cs typeface="Courier New" panose="02070309020205020404" pitchFamily="49" charset="0"/>
+              </a:rPr>
+              <a:t>$</a:t>
+            </a:r>
+            <a:r>
+              <a:rPr lang="en-US" sz="1800" b="1" dirty="0" err="1">
+                <a:latin typeface="Courier New" panose="02070309020205020404" pitchFamily="49" charset="0"/>
+                <a:cs typeface="Courier New" panose="02070309020205020404" pitchFamily="49" charset="0"/>
+              </a:rPr>
+              <a:t>q.all</a:t>
+            </a:r>
+            <a:r>
+              <a:rPr lang="en-US" sz="1800" b="1" dirty="0">
+                <a:latin typeface="Courier New" panose="02070309020205020404" pitchFamily="49" charset="0"/>
+                <a:cs typeface="Courier New" panose="02070309020205020404" pitchFamily="49" charset="0"/>
+              </a:rPr>
+              <a:t>(promises);</a:t>
+            </a:r>
+          </a:p>
+          <a:p>
+            <a:pPr lvl="1"/>
+            <a:r>
+              <a:rPr lang="en-US" dirty="0" smtClean="0"/>
+              <a:t>Combines </a:t>
+            </a:r>
+            <a:r>
+              <a:rPr lang="en-US" dirty="0"/>
+              <a:t>multiple promises into a single promise that is resolved when all of the input promises are </a:t>
+            </a:r>
+            <a:r>
+              <a:rPr lang="en-US" dirty="0" smtClean="0"/>
+              <a:t>resolved.</a:t>
+            </a:r>
+          </a:p>
+          <a:p>
+            <a:r>
+              <a:rPr lang="en-US" sz="1800" b="1" dirty="0">
+                <a:latin typeface="Courier New" panose="02070309020205020404" pitchFamily="49" charset="0"/>
+                <a:cs typeface="Courier New" panose="02070309020205020404" pitchFamily="49" charset="0"/>
+              </a:rPr>
+              <a:t>$</a:t>
+            </a:r>
+            <a:r>
+              <a:rPr lang="en-US" sz="1800" b="1" dirty="0" err="1">
+                <a:latin typeface="Courier New" panose="02070309020205020404" pitchFamily="49" charset="0"/>
+                <a:cs typeface="Courier New" panose="02070309020205020404" pitchFamily="49" charset="0"/>
+              </a:rPr>
+              <a:t>q.race</a:t>
+            </a:r>
+            <a:r>
+              <a:rPr lang="en-US" sz="1800" b="1" dirty="0">
+                <a:latin typeface="Courier New" panose="02070309020205020404" pitchFamily="49" charset="0"/>
+                <a:cs typeface="Courier New" panose="02070309020205020404" pitchFamily="49" charset="0"/>
+              </a:rPr>
+              <a:t>(promises);</a:t>
+            </a:r>
+          </a:p>
+          <a:p>
+            <a:pPr lvl="1"/>
+            <a:r>
+              <a:rPr lang="en-US" dirty="0"/>
+              <a:t>Returns a promise that resolves or rejects as soon as one of those promises resolves or rejects, with the value or reason from that promise.</a:t>
+            </a:r>
+          </a:p>
+          <a:p>
+            <a:pPr lvl="1"/>
+            <a:endParaRPr lang="en-US" dirty="0" smtClean="0"/>
+          </a:p>
+          <a:p>
+            <a:pPr lvl="1"/>
+            <a:endParaRPr lang="en-US" dirty="0" smtClean="0"/>
+          </a:p>
+          <a:p>
+            <a:pPr lvl="1"/>
+            <a:endParaRPr lang="en-US" dirty="0" smtClean="0"/>
+          </a:p>
+          <a:p>
+            <a:pPr lvl="1"/>
+            <a:endParaRPr lang="en-US" dirty="0" smtClean="0"/>
+          </a:p>
+        </p:txBody>
+      </p:sp>
+      <p:sp>
+        <p:nvSpPr>
+          <p:cNvPr id="3" name="Titre 2"/>
+          <p:cNvSpPr>
+            <a:spLocks noGrp="1"/>
+          </p:cNvSpPr>
+          <p:nvPr>
+            <p:ph type="title"/>
+          </p:nvPr>
+        </p:nvSpPr>
+        <p:spPr/>
+        <p:txBody>
+          <a:bodyPr/>
+          <a:lstStyle/>
+          <a:p>
+            <a:r>
+              <a:rPr lang="en-US" dirty="0"/>
+              <a:t>Defer &amp; promises</a:t>
+            </a:r>
             <a:endParaRPr lang="en-US" dirty="0"/>
-          </a:p>
-          <a:p>
-            <a:endParaRPr lang="en-US" dirty="0"/>
-          </a:p>
-        </p:txBody>
-      </p:sp>
-      <p:sp>
-        <p:nvSpPr>
-          <p:cNvPr id="3" name="Titre 2"/>
-          <p:cNvSpPr>
-            <a:spLocks noGrp="1"/>
-          </p:cNvSpPr>
-          <p:nvPr>
-            <p:ph type="title"/>
-          </p:nvPr>
-        </p:nvSpPr>
-        <p:spPr/>
-        <p:txBody>
-          <a:bodyPr/>
-          <a:lstStyle/>
-          <a:p>
-            <a:r>
-              <a:rPr lang="fr-FR" dirty="0"/>
-              <a:t>Promises</a:t>
-            </a:r>
           </a:p>
         </p:txBody>
       </p:sp>
@@ -10734,410 +10303,23 @@
             <p:ph type="body" sz="quarter" idx="13"/>
           </p:nvPr>
         </p:nvSpPr>
-        <p:spPr>
-          <a:ln>
-            <a:noFill/>
-          </a:ln>
-        </p:spPr>
+        <p:spPr/>
         <p:txBody>
           <a:bodyPr/>
           <a:lstStyle/>
           <a:p>
             <a:r>
-              <a:rPr lang="en-US" cap="none" dirty="0" err="1" smtClean="0"/>
-              <a:t>Exemple</a:t>
-            </a:r>
-            <a:r>
               <a:rPr lang="en-US" cap="none" dirty="0" smtClean="0"/>
-              <a:t> </a:t>
-            </a:r>
-            <a:r>
-              <a:rPr lang="en-US" cap="none" dirty="0" err="1" smtClean="0"/>
-              <a:t>complet</a:t>
-            </a:r>
-            <a:r>
-              <a:rPr lang="en-US" cap="none" dirty="0" smtClean="0"/>
-              <a:t> de handlers (then, catch &amp; finally)</a:t>
+              <a:t>Angular $q</a:t>
             </a:r>
             <a:endParaRPr lang="en-US" cap="none" dirty="0"/>
           </a:p>
         </p:txBody>
       </p:sp>
-      <p:pic>
-        <p:nvPicPr>
-          <p:cNvPr id="7" name="Image 6"/>
-          <p:cNvPicPr>
-            <a:picLocks noChangeAspect="1"/>
-          </p:cNvPicPr>
-          <p:nvPr/>
-        </p:nvPicPr>
-        <p:blipFill>
-          <a:blip r:embed="rId2"/>
-          <a:stretch>
-            <a:fillRect/>
-          </a:stretch>
-        </p:blipFill>
-        <p:spPr>
-          <a:xfrm>
-            <a:off x="960622" y="1514866"/>
-            <a:ext cx="6376447" cy="4563853"/>
-          </a:xfrm>
-          <a:prstGeom prst="rect">
-            <a:avLst/>
-          </a:prstGeom>
-          <a:ln>
-            <a:solidFill>
-              <a:schemeClr val="tx2"/>
-            </a:solidFill>
-          </a:ln>
-        </p:spPr>
-      </p:pic>
     </p:spTree>
     <p:extLst>
       <p:ext uri="{BB962C8B-B14F-4D97-AF65-F5344CB8AC3E}">
-        <p14:creationId xmlns:p14="http://schemas.microsoft.com/office/powerpoint/2010/main" val="4008562415"/>
-      </p:ext>
-    </p:extLst>
-  </p:cSld>
-  <p:clrMapOvr>
-    <a:masterClrMapping/>
-  </p:clrMapOvr>
-</p:sld>
-</file>
-
-<file path=ppt/slides/slide9.xml><?xml version="1.0" encoding="utf-8"?>
-<p:sld xmlns:a="http://schemas.openxmlformats.org/drawingml/2006/main" xmlns:r="http://schemas.openxmlformats.org/officeDocument/2006/relationships" xmlns:p="http://schemas.openxmlformats.org/presentationml/2006/main">
-  <p:cSld>
-    <p:spTree>
-      <p:nvGrpSpPr>
-        <p:cNvPr id="1" name=""/>
-        <p:cNvGrpSpPr/>
-        <p:nvPr/>
-      </p:nvGrpSpPr>
-      <p:grpSpPr>
-        <a:xfrm>
-          <a:off x="0" y="0"/>
-          <a:ext cx="0" cy="0"/>
-          <a:chOff x="0" y="0"/>
-          <a:chExt cx="0" cy="0"/>
-        </a:xfrm>
-      </p:grpSpPr>
-      <p:sp>
-        <p:nvSpPr>
-          <p:cNvPr id="2" name="Espace réservé du contenu 1"/>
-          <p:cNvSpPr>
-            <a:spLocks noGrp="1"/>
-          </p:cNvSpPr>
-          <p:nvPr>
-            <p:ph idx="1"/>
-          </p:nvPr>
-        </p:nvSpPr>
-        <p:spPr>
-          <a:xfrm>
-            <a:off x="418356" y="1124712"/>
-            <a:ext cx="8088511" cy="4681537"/>
-          </a:xfrm>
-        </p:spPr>
-        <p:txBody>
-          <a:bodyPr/>
-          <a:lstStyle/>
-          <a:p>
-            <a:pPr marL="0" indent="0">
-              <a:buNone/>
-            </a:pPr>
-            <a:r>
-              <a:rPr lang="fr-FR" dirty="0" smtClean="0"/>
-              <a:t>Le </a:t>
-            </a:r>
-            <a:r>
-              <a:rPr lang="fr-FR" dirty="0"/>
-              <a:t>but du TP est de manipuler les promesses pour simuler un appel asynchrone vers un </a:t>
-            </a:r>
-            <a:r>
-              <a:rPr lang="fr-FR" dirty="0" err="1"/>
-              <a:t>backend</a:t>
-            </a:r>
-            <a:endParaRPr lang="fr-FR" sz="1400" dirty="0"/>
-          </a:p>
-          <a:p>
-            <a:pPr marL="0" indent="0">
-              <a:buNone/>
-            </a:pPr>
-            <a:r>
-              <a:rPr lang="fr-FR" b="1" dirty="0"/>
-              <a:t>Instructions</a:t>
-            </a:r>
-            <a:endParaRPr lang="fr-FR" sz="1050" dirty="0"/>
-          </a:p>
-          <a:p>
-            <a:pPr lvl="0"/>
-            <a:r>
-              <a:rPr lang="fr-FR" dirty="0"/>
-              <a:t>Utiliser le service </a:t>
-            </a:r>
-            <a:r>
-              <a:rPr lang="fr-FR" dirty="0" err="1"/>
-              <a:t>angular</a:t>
-            </a:r>
-            <a:r>
-              <a:rPr lang="fr-FR" dirty="0"/>
-              <a:t> </a:t>
-            </a:r>
-            <a:r>
-              <a:rPr lang="fr-FR" sz="1800" dirty="0"/>
-              <a:t>$q</a:t>
-            </a:r>
-            <a:r>
-              <a:rPr lang="fr-FR" dirty="0"/>
-              <a:t> pour créer un objet </a:t>
-            </a:r>
-            <a:r>
-              <a:rPr lang="fr-FR" sz="1800" dirty="0" err="1"/>
-              <a:t>Defered</a:t>
-            </a:r>
-            <a:endParaRPr lang="fr-FR" sz="1400" dirty="0"/>
-          </a:p>
-          <a:p>
-            <a:pPr lvl="0"/>
-            <a:r>
-              <a:rPr lang="fr-FR" dirty="0"/>
-              <a:t>Utiliser l'objet </a:t>
-            </a:r>
-            <a:r>
-              <a:rPr lang="fr-FR" sz="1800" dirty="0" err="1"/>
-              <a:t>Defered</a:t>
-            </a:r>
-            <a:r>
-              <a:rPr lang="fr-FR" dirty="0"/>
-              <a:t> pour récupérer un objet </a:t>
-            </a:r>
-            <a:r>
-              <a:rPr lang="fr-FR" sz="1800" dirty="0"/>
-              <a:t>Promise</a:t>
-            </a:r>
-            <a:endParaRPr lang="fr-FR" sz="1400" dirty="0"/>
-          </a:p>
-          <a:p>
-            <a:pPr lvl="0"/>
-            <a:r>
-              <a:rPr lang="fr-FR" dirty="0"/>
-              <a:t>Ajouter des </a:t>
-            </a:r>
-            <a:r>
-              <a:rPr lang="fr-FR" dirty="0" err="1"/>
-              <a:t>handler</a:t>
-            </a:r>
-            <a:r>
-              <a:rPr lang="fr-FR" dirty="0"/>
-              <a:t> sur l'objet </a:t>
-            </a:r>
-            <a:r>
-              <a:rPr lang="fr-FR" sz="1800" dirty="0"/>
-              <a:t>Promise</a:t>
-            </a:r>
-            <a:r>
-              <a:rPr lang="fr-FR" dirty="0"/>
-              <a:t> :</a:t>
-            </a:r>
-            <a:endParaRPr lang="fr-FR" sz="1400" dirty="0"/>
-          </a:p>
-          <a:p>
-            <a:pPr lvl="1"/>
-            <a:r>
-              <a:rPr lang="fr-FR" dirty="0"/>
-              <a:t>Handler de de </a:t>
-            </a:r>
-            <a:r>
-              <a:rPr lang="fr-FR" dirty="0" err="1"/>
-              <a:t>succes</a:t>
-            </a:r>
-            <a:r>
-              <a:rPr lang="fr-FR" dirty="0"/>
-              <a:t> (</a:t>
-            </a:r>
-            <a:r>
-              <a:rPr lang="fr-FR" sz="1600" dirty="0" err="1"/>
-              <a:t>then</a:t>
-            </a:r>
-            <a:r>
-              <a:rPr lang="fr-FR" dirty="0"/>
-              <a:t>) : renseigner la liste des taches</a:t>
-            </a:r>
-            <a:endParaRPr lang="fr-FR" sz="1200" dirty="0"/>
-          </a:p>
-          <a:p>
-            <a:pPr lvl="1"/>
-            <a:r>
-              <a:rPr lang="fr-FR" dirty="0"/>
-              <a:t>Handler d'erreur (</a:t>
-            </a:r>
-            <a:r>
-              <a:rPr lang="fr-FR" sz="1600" dirty="0"/>
-              <a:t>catch</a:t>
-            </a:r>
-            <a:r>
-              <a:rPr lang="fr-FR" dirty="0"/>
-              <a:t>) : afficher un message de votre choix (</a:t>
-            </a:r>
-            <a:r>
-              <a:rPr lang="fr-FR" sz="1600" dirty="0"/>
-              <a:t>console</a:t>
-            </a:r>
-            <a:r>
-              <a:rPr lang="fr-FR" dirty="0"/>
-              <a:t>, </a:t>
-            </a:r>
-            <a:r>
-              <a:rPr lang="fr-FR" sz="1600" dirty="0" err="1"/>
-              <a:t>alert</a:t>
-            </a:r>
-            <a:r>
-              <a:rPr lang="fr-FR" dirty="0"/>
-              <a:t>, afficher un div sur la page, ...)</a:t>
-            </a:r>
-            <a:endParaRPr lang="fr-FR" sz="1200" dirty="0"/>
-          </a:p>
-          <a:p>
-            <a:pPr lvl="0"/>
-            <a:r>
-              <a:rPr lang="fr-FR" dirty="0"/>
-              <a:t>Utiliser le service </a:t>
-            </a:r>
-            <a:r>
-              <a:rPr lang="fr-FR" dirty="0" err="1"/>
-              <a:t>angular</a:t>
-            </a:r>
-            <a:r>
-              <a:rPr lang="fr-FR" dirty="0"/>
-              <a:t> </a:t>
-            </a:r>
-            <a:r>
-              <a:rPr lang="fr-FR" sz="1800" dirty="0"/>
-              <a:t>$timeout</a:t>
-            </a:r>
-            <a:r>
-              <a:rPr lang="fr-FR" dirty="0"/>
-              <a:t> pour simuler une latence (un appel asynchrone par exemple) et </a:t>
-            </a:r>
-            <a:r>
-              <a:rPr lang="fr-FR" dirty="0" err="1"/>
-              <a:t>résouvre</a:t>
-            </a:r>
-            <a:r>
-              <a:rPr lang="fr-FR" dirty="0"/>
-              <a:t> l'objet </a:t>
-            </a:r>
-            <a:r>
-              <a:rPr lang="fr-FR" sz="1800" dirty="0" err="1"/>
-              <a:t>Deferred</a:t>
-            </a:r>
-            <a:r>
-              <a:rPr lang="fr-FR" dirty="0"/>
-              <a:t> en succès ou en erreur</a:t>
-            </a:r>
-            <a:endParaRPr lang="fr-FR" sz="1400" dirty="0"/>
-          </a:p>
-          <a:p>
-            <a:endParaRPr lang="fr-FR" dirty="0"/>
-          </a:p>
-        </p:txBody>
-      </p:sp>
-      <p:sp>
-        <p:nvSpPr>
-          <p:cNvPr id="3" name="Titre 2"/>
-          <p:cNvSpPr>
-            <a:spLocks noGrp="1"/>
-          </p:cNvSpPr>
-          <p:nvPr>
-            <p:ph type="title"/>
-          </p:nvPr>
-        </p:nvSpPr>
-        <p:spPr/>
-        <p:txBody>
-          <a:bodyPr/>
-          <a:lstStyle/>
-          <a:p>
-            <a:r>
-              <a:rPr lang="fr-FR" dirty="0"/>
-              <a:t>Promises</a:t>
-            </a:r>
-          </a:p>
-        </p:txBody>
-      </p:sp>
-      <p:sp>
-        <p:nvSpPr>
-          <p:cNvPr id="4" name="Espace réservé du pied de page 3"/>
-          <p:cNvSpPr>
-            <a:spLocks noGrp="1"/>
-          </p:cNvSpPr>
-          <p:nvPr>
-            <p:ph type="ftr" sz="quarter" idx="11"/>
-          </p:nvPr>
-        </p:nvSpPr>
-        <p:spPr/>
-        <p:txBody>
-          <a:bodyPr/>
-          <a:lstStyle/>
-          <a:p>
-            <a:endParaRPr lang="fr-FR" dirty="0"/>
-          </a:p>
-        </p:txBody>
-      </p:sp>
-      <p:sp>
-        <p:nvSpPr>
-          <p:cNvPr id="5" name="Espace réservé du numéro de diapositive 4"/>
-          <p:cNvSpPr>
-            <a:spLocks noGrp="1"/>
-          </p:cNvSpPr>
-          <p:nvPr>
-            <p:ph type="sldNum" sz="quarter" idx="12"/>
-          </p:nvPr>
-        </p:nvSpPr>
-        <p:spPr/>
-        <p:txBody>
-          <a:bodyPr/>
-          <a:lstStyle/>
-          <a:p>
-            <a:fld id="{AF43E6FD-AB27-4108-A2FC-346BB5F75E3F}" type="slidenum">
-              <a:rPr lang="fr-FR" smtClean="0"/>
-              <a:pPr/>
-              <a:t>9</a:t>
-            </a:fld>
-            <a:endParaRPr lang="fr-FR" dirty="0"/>
-          </a:p>
-        </p:txBody>
-      </p:sp>
-      <p:sp>
-        <p:nvSpPr>
-          <p:cNvPr id="6" name="Espace réservé du texte 5"/>
-          <p:cNvSpPr>
-            <a:spLocks noGrp="1"/>
-          </p:cNvSpPr>
-          <p:nvPr>
-            <p:ph type="body" sz="quarter" idx="13"/>
-          </p:nvPr>
-        </p:nvSpPr>
-        <p:spPr>
-          <a:ln>
-            <a:noFill/>
-          </a:ln>
-        </p:spPr>
-        <p:txBody>
-          <a:bodyPr/>
-          <a:lstStyle/>
-          <a:p>
-            <a:r>
-              <a:rPr lang="en-US" cap="none" dirty="0" smtClean="0"/>
-              <a:t>TP</a:t>
-            </a:r>
-            <a:endParaRPr lang="en-US" cap="none" dirty="0"/>
-          </a:p>
-        </p:txBody>
-      </p:sp>
-    </p:spTree>
-    <p:extLst>
-      <p:ext uri="{BB962C8B-B14F-4D97-AF65-F5344CB8AC3E}">
-        <p14:creationId xmlns:p14="http://schemas.microsoft.com/office/powerpoint/2010/main" val="976851470"/>
+        <p14:creationId xmlns:p14="http://schemas.microsoft.com/office/powerpoint/2010/main" val="1338369700"/>
       </p:ext>
     </p:extLst>
   </p:cSld>
